--- a/Document/SlideWeek2/Spatial Filltering .pptx
+++ b/Document/SlideWeek2/Spatial Filltering .pptx
@@ -19,9 +19,9 @@
     <p:sldId id="1146" r:id="rId10"/>
     <p:sldId id="1147" r:id="rId11"/>
     <p:sldId id="1148" r:id="rId12"/>
-    <p:sldId id="1139" r:id="rId13"/>
-    <p:sldId id="1161" r:id="rId14"/>
-    <p:sldId id="1149" r:id="rId15"/>
+    <p:sldId id="1149" r:id="rId13"/>
+    <p:sldId id="1139" r:id="rId14"/>
+    <p:sldId id="1161" r:id="rId15"/>
     <p:sldId id="1150" r:id="rId16"/>
     <p:sldId id="1151" r:id="rId17"/>
     <p:sldId id="1152" r:id="rId18"/>
@@ -220,7 +220,7 @@
           <a:p>
             <a:fld id="{5B14C9EB-6DB0-4253-A534-AA6AC3B617E1}" type="datetimeFigureOut">
               <a:rPr lang="en-US" smtClean="0"/>
-              <a:t>5/14/2025</a:t>
+              <a:t>5/15/2025</a:t>
             </a:fld>
             <a:endParaRPr lang="en-US"/>
           </a:p>
@@ -958,6 +958,114 @@
           <a:lstStyle/>
           <a:p>
             <a:r>
+              <a:rPr lang="en-US" dirty="0"/>
+              <a:t>A </a:t>
+            </a:r>
+            <a:r>
+              <a:rPr lang="en-US" b="1" dirty="0"/>
+              <a:t>Gaussian kernel filter</a:t>
+            </a:r>
+            <a:r>
+              <a:rPr lang="en-US" dirty="0"/>
+              <a:t> (or </a:t>
+            </a:r>
+            <a:r>
+              <a:rPr lang="en-US" b="1" dirty="0"/>
+              <a:t>Gaussian blur</a:t>
+            </a:r>
+            <a:r>
+              <a:rPr lang="en-US" dirty="0"/>
+              <a:t>) is a type of image processing filter used to smooth or blur images and remove noise. It's based on the </a:t>
+            </a:r>
+            <a:r>
+              <a:rPr lang="en-US" b="1" dirty="0"/>
+              <a:t>Gaussian function</a:t>
+            </a:r>
+            <a:endParaRPr lang="en-US" dirty="0"/>
+          </a:p>
+        </p:txBody>
+      </p:sp>
+      <p:sp>
+        <p:nvSpPr>
+          <p:cNvPr id="4" name="Chỗ dành sẵn cho Số hiệu Bản chiếu 3"/>
+          <p:cNvSpPr>
+            <a:spLocks noGrp="1"/>
+          </p:cNvSpPr>
+          <p:nvPr>
+            <p:ph type="sldNum" sz="quarter" idx="5"/>
+          </p:nvPr>
+        </p:nvSpPr>
+        <p:spPr/>
+        <p:txBody>
+          <a:bodyPr/>
+          <a:lstStyle/>
+          <a:p>
+            <a:fld id="{4BB17C66-5E86-48FA-A33E-66AB0EC7811B}" type="slidenum">
+              <a:rPr lang="en-US" smtClean="0"/>
+              <a:t>11</a:t>
+            </a:fld>
+            <a:endParaRPr lang="en-US"/>
+          </a:p>
+        </p:txBody>
+      </p:sp>
+    </p:spTree>
+    <p:extLst>
+      <p:ext uri="{BB962C8B-B14F-4D97-AF65-F5344CB8AC3E}">
+        <p14:creationId xmlns:p14="http://schemas.microsoft.com/office/powerpoint/2010/main" val="2227656679"/>
+      </p:ext>
+    </p:extLst>
+  </p:cSld>
+  <p:clrMapOvr>
+    <a:masterClrMapping/>
+  </p:clrMapOvr>
+</p:notes>
+</file>
+
+<file path=ppt/notesSlides/notesSlide12.xml><?xml version="1.0" encoding="utf-8"?>
+<p:notes xmlns:a="http://schemas.openxmlformats.org/drawingml/2006/main" xmlns:r="http://schemas.openxmlformats.org/officeDocument/2006/relationships" xmlns:p="http://schemas.openxmlformats.org/presentationml/2006/main">
+  <p:cSld>
+    <p:spTree>
+      <p:nvGrpSpPr>
+        <p:cNvPr id="1" name=""/>
+        <p:cNvGrpSpPr/>
+        <p:nvPr/>
+      </p:nvGrpSpPr>
+      <p:grpSpPr>
+        <a:xfrm>
+          <a:off x="0" y="0"/>
+          <a:ext cx="0" cy="0"/>
+          <a:chOff x="0" y="0"/>
+          <a:chExt cx="0" cy="0"/>
+        </a:xfrm>
+      </p:grpSpPr>
+      <p:sp>
+        <p:nvSpPr>
+          <p:cNvPr id="2" name="Chỗ dành sẵn cho Hình ảnh của Bản chiếu 1"/>
+          <p:cNvSpPr>
+            <a:spLocks noGrp="1" noRot="1" noChangeAspect="1"/>
+          </p:cNvSpPr>
+          <p:nvPr>
+            <p:ph type="sldImg"/>
+          </p:nvPr>
+        </p:nvSpPr>
+        <p:spPr/>
+      </p:sp>
+      <p:sp>
+        <p:nvSpPr>
+          <p:cNvPr id="3" name="Chỗ dành sẵn cho Ghi chú 2"/>
+          <p:cNvSpPr>
+            <a:spLocks noGrp="1"/>
+          </p:cNvSpPr>
+          <p:nvPr>
+            <p:ph type="body" idx="1"/>
+          </p:nvPr>
+        </p:nvSpPr>
+        <p:spPr/>
+        <p:txBody>
+          <a:bodyPr/>
+          <a:lstStyle/>
+          <a:p>
+            <a:r>
               <a:rPr lang="en-US" sz="1800" b="0" i="0" dirty="0">
                 <a:solidFill>
                   <a:srgbClr val="242021"/>
@@ -1014,7 +1122,7 @@
           <a:p>
             <a:fld id="{4BB17C66-5E86-48FA-A33E-66AB0EC7811B}" type="slidenum">
               <a:rPr lang="en-US" smtClean="0"/>
-              <a:t>12</a:t>
+              <a:t>13</a:t>
             </a:fld>
             <a:endParaRPr lang="en-US"/>
           </a:p>
@@ -1033,7 +1141,7 @@
 </p:notes>
 </file>
 
-<file path=ppt/notesSlides/notesSlide12.xml><?xml version="1.0" encoding="utf-8"?>
+<file path=ppt/notesSlides/notesSlide13.xml><?xml version="1.0" encoding="utf-8"?>
 <p:notes xmlns:a="http://schemas.openxmlformats.org/drawingml/2006/main" xmlns:r="http://schemas.openxmlformats.org/officeDocument/2006/relationships" xmlns:p="http://schemas.openxmlformats.org/presentationml/2006/main">
   <p:cSld>
     <p:spTree>
@@ -1104,7 +1212,7 @@
           <a:p>
             <a:fld id="{4BB17C66-5E86-48FA-A33E-66AB0EC7811B}" type="slidenum">
               <a:rPr lang="en-US" smtClean="0"/>
-              <a:t>13</a:t>
+              <a:t>14</a:t>
             </a:fld>
             <a:endParaRPr lang="en-US"/>
           </a:p>
@@ -5283,6 +5391,887 @@
           </a:p>
         </p:txBody>
       </p:sp>
+      <p:pic>
+        <p:nvPicPr>
+          <p:cNvPr id="2" name="Hình ảnh 1">
+            <a:extLst>
+              <a:ext uri="{FF2B5EF4-FFF2-40B4-BE49-F238E27FC236}">
+                <a16:creationId xmlns:a16="http://schemas.microsoft.com/office/drawing/2014/main" id="{D07AA24C-A4C8-490F-A789-8EED4F182224}"/>
+              </a:ext>
+            </a:extLst>
+          </p:cNvPr>
+          <p:cNvPicPr>
+            <a:picLocks noChangeAspect="1"/>
+          </p:cNvPicPr>
+          <p:nvPr/>
+        </p:nvPicPr>
+        <p:blipFill>
+          <a:blip r:embed="rId3"/>
+          <a:stretch>
+            <a:fillRect/>
+          </a:stretch>
+        </p:blipFill>
+        <p:spPr>
+          <a:xfrm>
+            <a:off x="5989845" y="1026158"/>
+            <a:ext cx="4956701" cy="4586683"/>
+          </a:xfrm>
+          <a:prstGeom prst="rect">
+            <a:avLst/>
+          </a:prstGeom>
+        </p:spPr>
+      </p:pic>
+      <p:pic>
+        <p:nvPicPr>
+          <p:cNvPr id="4" name="Hình ảnh 3">
+            <a:extLst>
+              <a:ext uri="{FF2B5EF4-FFF2-40B4-BE49-F238E27FC236}">
+                <a16:creationId xmlns:a16="http://schemas.microsoft.com/office/drawing/2014/main" id="{329EB0A8-F639-4A83-BD25-53CA7F1770D6}"/>
+              </a:ext>
+            </a:extLst>
+          </p:cNvPr>
+          <p:cNvPicPr>
+            <a:picLocks noChangeAspect="1"/>
+          </p:cNvPicPr>
+          <p:nvPr/>
+        </p:nvPicPr>
+        <p:blipFill>
+          <a:blip r:embed="rId4"/>
+          <a:stretch>
+            <a:fillRect/>
+          </a:stretch>
+        </p:blipFill>
+        <p:spPr>
+          <a:xfrm>
+            <a:off x="335360" y="659395"/>
+            <a:ext cx="4124901" cy="733527"/>
+          </a:xfrm>
+          <a:prstGeom prst="rect">
+            <a:avLst/>
+          </a:prstGeom>
+        </p:spPr>
+      </p:pic>
+      <p:pic>
+        <p:nvPicPr>
+          <p:cNvPr id="3" name="Hình ảnh 2">
+            <a:extLst>
+              <a:ext uri="{FF2B5EF4-FFF2-40B4-BE49-F238E27FC236}">
+                <a16:creationId xmlns:a16="http://schemas.microsoft.com/office/drawing/2014/main" id="{310BB16B-1E3E-46B7-87BD-2209693D9836}"/>
+              </a:ext>
+            </a:extLst>
+          </p:cNvPr>
+          <p:cNvPicPr>
+            <a:picLocks noChangeAspect="1"/>
+          </p:cNvPicPr>
+          <p:nvPr/>
+        </p:nvPicPr>
+        <p:blipFill rotWithShape="1">
+          <a:blip r:embed="rId5"/>
+          <a:srcRect r="67376"/>
+          <a:stretch/>
+        </p:blipFill>
+        <p:spPr>
+          <a:xfrm>
+            <a:off x="2220484" y="1392922"/>
+            <a:ext cx="934720" cy="596548"/>
+          </a:xfrm>
+          <a:prstGeom prst="rect">
+            <a:avLst/>
+          </a:prstGeom>
+        </p:spPr>
+      </p:pic>
+      <p:cxnSp>
+        <p:nvCxnSpPr>
+          <p:cNvPr id="7" name="Đường kết nối Mũi tên Thẳng 6">
+            <a:extLst>
+              <a:ext uri="{FF2B5EF4-FFF2-40B4-BE49-F238E27FC236}">
+                <a16:creationId xmlns:a16="http://schemas.microsoft.com/office/drawing/2014/main" id="{8E036357-BB82-44EA-9E6C-622E53D56B19}"/>
+              </a:ext>
+            </a:extLst>
+          </p:cNvPr>
+          <p:cNvCxnSpPr>
+            <a:cxnSpLocks/>
+          </p:cNvCxnSpPr>
+          <p:nvPr/>
+        </p:nvCxnSpPr>
+        <p:spPr>
+          <a:xfrm flipV="1">
+            <a:off x="2565924" y="1193356"/>
+            <a:ext cx="0" cy="457200"/>
+          </a:xfrm>
+          <a:prstGeom prst="straightConnector1">
+            <a:avLst/>
+          </a:prstGeom>
+          <a:ln>
+            <a:tailEnd type="triangle"/>
+          </a:ln>
+        </p:spPr>
+        <p:style>
+          <a:lnRef idx="1">
+            <a:schemeClr val="accent1"/>
+          </a:lnRef>
+          <a:fillRef idx="0">
+            <a:schemeClr val="accent1"/>
+          </a:fillRef>
+          <a:effectRef idx="0">
+            <a:schemeClr val="accent1"/>
+          </a:effectRef>
+          <a:fontRef idx="minor">
+            <a:schemeClr val="tx1"/>
+          </a:fontRef>
+        </p:style>
+      </p:cxnSp>
+      <p:sp>
+        <p:nvSpPr>
+          <p:cNvPr id="10" name="Hình Bầu dục 9">
+            <a:extLst>
+              <a:ext uri="{FF2B5EF4-FFF2-40B4-BE49-F238E27FC236}">
+                <a16:creationId xmlns:a16="http://schemas.microsoft.com/office/drawing/2014/main" id="{5B6F71AE-F3F0-444C-A0FA-6718BDA5B5A9}"/>
+              </a:ext>
+            </a:extLst>
+          </p:cNvPr>
+          <p:cNvSpPr/>
+          <p:nvPr/>
+        </p:nvSpPr>
+        <p:spPr>
+          <a:xfrm>
+            <a:off x="8503920" y="2824480"/>
+            <a:ext cx="416560" cy="355600"/>
+          </a:xfrm>
+          <a:prstGeom prst="ellipse">
+            <a:avLst/>
+          </a:prstGeom>
+          <a:noFill/>
+          <a:ln w="9525" cap="flat" cmpd="sng" algn="ctr">
+            <a:solidFill>
+              <a:schemeClr val="accent2"/>
+            </a:solidFill>
+            <a:prstDash val="solid"/>
+            <a:round/>
+            <a:headEnd type="none" w="med" len="med"/>
+            <a:tailEnd type="none" w="med" len="med"/>
+          </a:ln>
+        </p:spPr>
+        <p:style>
+          <a:lnRef idx="0">
+            <a:scrgbClr r="0" g="0" b="0"/>
+          </a:lnRef>
+          <a:fillRef idx="0">
+            <a:scrgbClr r="0" g="0" b="0"/>
+          </a:fillRef>
+          <a:effectRef idx="0">
+            <a:scrgbClr r="0" g="0" b="0"/>
+          </a:effectRef>
+          <a:fontRef idx="minor">
+            <a:schemeClr val="accent2"/>
+          </a:fontRef>
+        </p:style>
+        <p:txBody>
+          <a:bodyPr rtlCol="0" anchor="ctr"/>
+          <a:lstStyle/>
+          <a:p>
+            <a:pPr algn="ctr"/>
+            <a:endParaRPr lang="en-US"/>
+          </a:p>
+        </p:txBody>
+      </p:sp>
+      <p:cxnSp>
+        <p:nvCxnSpPr>
+          <p:cNvPr id="15" name="Đường nối Thẳng 14">
+            <a:extLst>
+              <a:ext uri="{FF2B5EF4-FFF2-40B4-BE49-F238E27FC236}">
+                <a16:creationId xmlns:a16="http://schemas.microsoft.com/office/drawing/2014/main" id="{7F84B7EC-FC76-41C2-8898-C107F50EE181}"/>
+              </a:ext>
+            </a:extLst>
+          </p:cNvPr>
+          <p:cNvCxnSpPr>
+            <a:cxnSpLocks/>
+            <a:stCxn id="10" idx="7"/>
+          </p:cNvCxnSpPr>
+          <p:nvPr/>
+        </p:nvCxnSpPr>
+        <p:spPr>
+          <a:xfrm flipV="1">
+            <a:off x="8859476" y="1650556"/>
+            <a:ext cx="956112" cy="1226000"/>
+          </a:xfrm>
+          <a:prstGeom prst="line">
+            <a:avLst/>
+          </a:prstGeom>
+        </p:spPr>
+        <p:style>
+          <a:lnRef idx="1">
+            <a:schemeClr val="accent2"/>
+          </a:lnRef>
+          <a:fillRef idx="0">
+            <a:schemeClr val="accent2"/>
+          </a:fillRef>
+          <a:effectRef idx="0">
+            <a:schemeClr val="accent2"/>
+          </a:effectRef>
+          <a:fontRef idx="minor">
+            <a:schemeClr val="tx1"/>
+          </a:fontRef>
+        </p:style>
+      </p:cxnSp>
+      <p:cxnSp>
+        <p:nvCxnSpPr>
+          <p:cNvPr id="18" name="Đường nối Thẳng 17">
+            <a:extLst>
+              <a:ext uri="{FF2B5EF4-FFF2-40B4-BE49-F238E27FC236}">
+                <a16:creationId xmlns:a16="http://schemas.microsoft.com/office/drawing/2014/main" id="{CBA76608-691F-4487-9BC2-96E69836CA3E}"/>
+              </a:ext>
+            </a:extLst>
+          </p:cNvPr>
+          <p:cNvCxnSpPr>
+            <a:cxnSpLocks/>
+          </p:cNvCxnSpPr>
+          <p:nvPr/>
+        </p:nvCxnSpPr>
+        <p:spPr>
+          <a:xfrm>
+            <a:off x="9815588" y="1650556"/>
+            <a:ext cx="821932" cy="0"/>
+          </a:xfrm>
+          <a:prstGeom prst="line">
+            <a:avLst/>
+          </a:prstGeom>
+        </p:spPr>
+        <p:style>
+          <a:lnRef idx="1">
+            <a:schemeClr val="accent2"/>
+          </a:lnRef>
+          <a:fillRef idx="0">
+            <a:schemeClr val="accent2"/>
+          </a:fillRef>
+          <a:effectRef idx="0">
+            <a:schemeClr val="accent2"/>
+          </a:effectRef>
+          <a:fontRef idx="minor">
+            <a:schemeClr val="tx1"/>
+          </a:fontRef>
+        </p:style>
+      </p:cxnSp>
+      <mc:AlternateContent xmlns:mc="http://schemas.openxmlformats.org/markup-compatibility/2006">
+        <mc:Choice xmlns:a14="http://schemas.microsoft.com/office/drawing/2010/main" Requires="a14">
+          <p:sp>
+            <p:nvSpPr>
+              <p:cNvPr id="21" name="Hộp Văn bản 20">
+                <a:extLst>
+                  <a:ext uri="{FF2B5EF4-FFF2-40B4-BE49-F238E27FC236}">
+                    <a16:creationId xmlns:a16="http://schemas.microsoft.com/office/drawing/2014/main" id="{44148A3A-EA26-4E27-85E7-D98631FE07AE}"/>
+                  </a:ext>
+                </a:extLst>
+              </p:cNvPr>
+              <p:cNvSpPr txBox="1"/>
+              <p:nvPr/>
+            </p:nvSpPr>
+            <p:spPr>
+              <a:xfrm>
+                <a:off x="10666332" y="1392922"/>
+                <a:ext cx="1371529" cy="1234249"/>
+              </a:xfrm>
+              <a:prstGeom prst="rect">
+                <a:avLst/>
+              </a:prstGeom>
+              <a:noFill/>
+            </p:spPr>
+            <p:txBody>
+              <a:bodyPr wrap="none" rtlCol="0">
+                <a:spAutoFit/>
+              </a:bodyPr>
+              <a:lstStyle/>
+              <a:p>
+                <a:r>
+                  <a:rPr lang="en-US" i="1" dirty="0">
+                    <a:latin typeface="Times New Roman" panose="02020603050405020304" pitchFamily="18" charset="0"/>
+                    <a:cs typeface="Times New Roman" panose="02020603050405020304" pitchFamily="18" charset="0"/>
+                  </a:rPr>
+                  <a:t>w </a:t>
+                </a:r>
+                <a:r>
+                  <a:rPr lang="en-US" dirty="0">
+                    <a:latin typeface="Times New Roman" panose="02020603050405020304" pitchFamily="18" charset="0"/>
+                    <a:cs typeface="Times New Roman" panose="02020603050405020304" pitchFamily="18" charset="0"/>
+                  </a:rPr>
+                  <a:t>(1, 1)</a:t>
+                </a:r>
+              </a:p>
+              <a:p>
+                <a:r>
+                  <a:rPr lang="en-US" dirty="0">
+                    <a:latin typeface="Times New Roman" panose="02020603050405020304" pitchFamily="18" charset="0"/>
+                    <a:cs typeface="Times New Roman" panose="02020603050405020304" pitchFamily="18" charset="0"/>
+                  </a:rPr>
+                  <a:t>s = 1, t = 1</a:t>
+                </a:r>
+              </a:p>
+              <a:p>
+                <a:r>
+                  <a:rPr lang="en-US" dirty="0">
+                    <a:latin typeface="Times New Roman" panose="02020603050405020304" pitchFamily="18" charset="0"/>
+                    <a:cs typeface="Times New Roman" panose="02020603050405020304" pitchFamily="18" charset="0"/>
+                  </a:rPr>
+                  <a:t>r = </a:t>
+                </a:r>
+                <a14:m>
+                  <m:oMath xmlns:m="http://schemas.openxmlformats.org/officeDocument/2006/math">
+                    <m:rad>
+                      <m:radPr>
+                        <m:degHide m:val="on"/>
+                        <m:ctrlPr>
+                          <a:rPr lang="en-US" i="1" smtClean="0">
+                            <a:latin typeface="Cambria Math" panose="02040503050406030204" pitchFamily="18" charset="0"/>
+                            <a:cs typeface="Times New Roman" panose="02020603050405020304" pitchFamily="18" charset="0"/>
+                          </a:rPr>
+                        </m:ctrlPr>
+                      </m:radPr>
+                      <m:deg/>
+                      <m:e>
+                        <m:sSup>
+                          <m:sSupPr>
+                            <m:ctrlPr>
+                              <a:rPr lang="en-US" i="1" smtClean="0">
+                                <a:latin typeface="Cambria Math" panose="02040503050406030204" pitchFamily="18" charset="0"/>
+                                <a:cs typeface="Times New Roman" panose="02020603050405020304" pitchFamily="18" charset="0"/>
+                              </a:rPr>
+                            </m:ctrlPr>
+                          </m:sSupPr>
+                          <m:e>
+                            <m:r>
+                              <a:rPr lang="en-US" b="0" i="1" smtClean="0">
+                                <a:latin typeface="Cambria Math" panose="02040503050406030204" pitchFamily="18" charset="0"/>
+                                <a:cs typeface="Times New Roman" panose="02020603050405020304" pitchFamily="18" charset="0"/>
+                              </a:rPr>
+                              <m:t>𝑠</m:t>
+                            </m:r>
+                          </m:e>
+                          <m:sup>
+                            <m:r>
+                              <a:rPr lang="en-US" b="0" i="1" smtClean="0">
+                                <a:latin typeface="Cambria Math" panose="02040503050406030204" pitchFamily="18" charset="0"/>
+                                <a:cs typeface="Times New Roman" panose="02020603050405020304" pitchFamily="18" charset="0"/>
+                              </a:rPr>
+                              <m:t>2</m:t>
+                            </m:r>
+                          </m:sup>
+                        </m:sSup>
+                        <m:r>
+                          <a:rPr lang="en-US" b="0" i="1" smtClean="0">
+                            <a:latin typeface="Cambria Math" panose="02040503050406030204" pitchFamily="18" charset="0"/>
+                            <a:cs typeface="Times New Roman" panose="02020603050405020304" pitchFamily="18" charset="0"/>
+                          </a:rPr>
+                          <m:t>+</m:t>
+                        </m:r>
+                        <m:sSup>
+                          <m:sSupPr>
+                            <m:ctrlPr>
+                              <a:rPr lang="en-US" b="0" i="1" smtClean="0">
+                                <a:latin typeface="Cambria Math" panose="02040503050406030204" pitchFamily="18" charset="0"/>
+                                <a:cs typeface="Times New Roman" panose="02020603050405020304" pitchFamily="18" charset="0"/>
+                              </a:rPr>
+                            </m:ctrlPr>
+                          </m:sSupPr>
+                          <m:e>
+                            <m:r>
+                              <a:rPr lang="en-US" b="0" i="1" smtClean="0">
+                                <a:latin typeface="Cambria Math" panose="02040503050406030204" pitchFamily="18" charset="0"/>
+                                <a:cs typeface="Times New Roman" panose="02020603050405020304" pitchFamily="18" charset="0"/>
+                              </a:rPr>
+                              <m:t>𝑡</m:t>
+                            </m:r>
+                          </m:e>
+                          <m:sup>
+                            <m:r>
+                              <a:rPr lang="en-US" b="0" i="1" smtClean="0">
+                                <a:latin typeface="Cambria Math" panose="02040503050406030204" pitchFamily="18" charset="0"/>
+                                <a:cs typeface="Times New Roman" panose="02020603050405020304" pitchFamily="18" charset="0"/>
+                              </a:rPr>
+                              <m:t>2</m:t>
+                            </m:r>
+                          </m:sup>
+                        </m:sSup>
+                      </m:e>
+                    </m:rad>
+                  </m:oMath>
+                </a14:m>
+                <a:endParaRPr lang="en-US" dirty="0">
+                  <a:latin typeface="Times New Roman" panose="02020603050405020304" pitchFamily="18" charset="0"/>
+                  <a:cs typeface="Times New Roman" panose="02020603050405020304" pitchFamily="18" charset="0"/>
+                </a:endParaRPr>
+              </a:p>
+              <a:p>
+                <a:pPr indent="60325"/>
+                <a:r>
+                  <a:rPr lang="en-US" dirty="0">
+                    <a:latin typeface="Times New Roman" panose="02020603050405020304" pitchFamily="18" charset="0"/>
+                    <a:cs typeface="Times New Roman" panose="02020603050405020304" pitchFamily="18" charset="0"/>
+                  </a:rPr>
+                  <a:t> = 2</a:t>
+                </a:r>
+              </a:p>
+            </p:txBody>
+          </p:sp>
+        </mc:Choice>
+        <mc:Fallback>
+          <p:sp>
+            <p:nvSpPr>
+              <p:cNvPr id="21" name="Hộp Văn bản 20">
+                <a:extLst>
+                  <a:ext uri="{FF2B5EF4-FFF2-40B4-BE49-F238E27FC236}">
+                    <a16:creationId xmlns:a16="http://schemas.microsoft.com/office/drawing/2014/main" id="{44148A3A-EA26-4E27-85E7-D98631FE07AE}"/>
+                  </a:ext>
+                </a:extLst>
+              </p:cNvPr>
+              <p:cNvSpPr txBox="1">
+                <a:spLocks noRot="1" noChangeAspect="1" noMove="1" noResize="1" noEditPoints="1" noAdjustHandles="1" noChangeArrowheads="1" noChangeShapeType="1" noTextEdit="1"/>
+              </p:cNvSpPr>
+              <p:nvPr/>
+            </p:nvSpPr>
+            <p:spPr>
+              <a:xfrm>
+                <a:off x="10666332" y="1392922"/>
+                <a:ext cx="1371529" cy="1234249"/>
+              </a:xfrm>
+              <a:prstGeom prst="rect">
+                <a:avLst/>
+              </a:prstGeom>
+              <a:blipFill>
+                <a:blip r:embed="rId6"/>
+                <a:stretch>
+                  <a:fillRect l="-4000" t="-2463" b="-6897"/>
+                </a:stretch>
+              </a:blipFill>
+            </p:spPr>
+            <p:txBody>
+              <a:bodyPr/>
+              <a:lstStyle/>
+              <a:p>
+                <a:r>
+                  <a:rPr lang="en-US">
+                    <a:noFill/>
+                  </a:rPr>
+                  <a:t> </a:t>
+                </a:r>
+              </a:p>
+            </p:txBody>
+          </p:sp>
+        </mc:Fallback>
+      </mc:AlternateContent>
+      <p:sp>
+        <p:nvSpPr>
+          <p:cNvPr id="23" name="Hộp Văn bản 22">
+            <a:extLst>
+              <a:ext uri="{FF2B5EF4-FFF2-40B4-BE49-F238E27FC236}">
+                <a16:creationId xmlns:a16="http://schemas.microsoft.com/office/drawing/2014/main" id="{15538828-4E4F-44DC-A7F3-843EA2EFDECE}"/>
+              </a:ext>
+            </a:extLst>
+          </p:cNvPr>
+          <p:cNvSpPr txBox="1"/>
+          <p:nvPr/>
+        </p:nvSpPr>
+        <p:spPr>
+          <a:xfrm>
+            <a:off x="5506720" y="5656439"/>
+            <a:ext cx="6177280" cy="369332"/>
+          </a:xfrm>
+          <a:prstGeom prst="rect">
+            <a:avLst/>
+          </a:prstGeom>
+          <a:noFill/>
+        </p:spPr>
+        <p:txBody>
+          <a:bodyPr wrap="square">
+            <a:spAutoFit/>
+          </a:bodyPr>
+          <a:lstStyle/>
+          <a:p>
+            <a:pPr algn="ctr"/>
+            <a:r>
+              <a:rPr lang="en-US" sz="1800" b="0" i="0" dirty="0">
+                <a:solidFill>
+                  <a:srgbClr val="242021"/>
+                </a:solidFill>
+                <a:effectLst/>
+                <a:latin typeface="TimesTen-Roman"/>
+              </a:rPr>
+              <a:t>Distances from the center for various sizes of square kernels.</a:t>
+            </a:r>
+            <a:r>
+              <a:rPr lang="en-US" dirty="0"/>
+              <a:t> </a:t>
+            </a:r>
+          </a:p>
+        </p:txBody>
+      </p:sp>
+      <p:sp>
+        <p:nvSpPr>
+          <p:cNvPr id="25" name="Hộp Văn bản 24">
+            <a:extLst>
+              <a:ext uri="{FF2B5EF4-FFF2-40B4-BE49-F238E27FC236}">
+                <a16:creationId xmlns:a16="http://schemas.microsoft.com/office/drawing/2014/main" id="{9CE68188-7FAD-4F81-9F8C-988B0661F9A8}"/>
+              </a:ext>
+            </a:extLst>
+          </p:cNvPr>
+          <p:cNvSpPr txBox="1"/>
+          <p:nvPr/>
+        </p:nvSpPr>
+        <p:spPr>
+          <a:xfrm>
+            <a:off x="590640" y="2182457"/>
+            <a:ext cx="5827204" cy="677108"/>
+          </a:xfrm>
+          <a:prstGeom prst="rect">
+            <a:avLst/>
+          </a:prstGeom>
+          <a:noFill/>
+        </p:spPr>
+        <p:txBody>
+          <a:bodyPr wrap="square">
+            <a:spAutoFit/>
+          </a:bodyPr>
+          <a:lstStyle/>
+          <a:p>
+            <a:r>
+              <a:rPr lang="en-US" dirty="0">
+                <a:latin typeface="Times New Roman" panose="02020603050405020304" pitchFamily="18" charset="0"/>
+                <a:cs typeface="Times New Roman" panose="02020603050405020304" pitchFamily="18" charset="0"/>
+              </a:rPr>
+              <a:t>s, t: The pixel distances from the center of the kernel</a:t>
+            </a:r>
+          </a:p>
+          <a:p>
+            <a:r>
+              <a:rPr lang="el-GR" sz="2000" dirty="0">
+                <a:latin typeface="Times New Roman" panose="02020603050405020304" pitchFamily="18" charset="0"/>
+                <a:cs typeface="Times New Roman" panose="02020603050405020304" pitchFamily="18" charset="0"/>
+              </a:rPr>
+              <a:t>σ</a:t>
+            </a:r>
+            <a:r>
+              <a:rPr lang="en-US" dirty="0">
+                <a:latin typeface="Times New Roman" panose="02020603050405020304" pitchFamily="18" charset="0"/>
+                <a:cs typeface="Times New Roman" panose="02020603050405020304" pitchFamily="18" charset="0"/>
+              </a:rPr>
+              <a:t>: The standard deviation (controls the amount of blur)</a:t>
+            </a:r>
+          </a:p>
+        </p:txBody>
+      </p:sp>
+      <p:pic>
+        <p:nvPicPr>
+          <p:cNvPr id="27" name="Hình ảnh 26">
+            <a:extLst>
+              <a:ext uri="{FF2B5EF4-FFF2-40B4-BE49-F238E27FC236}">
+                <a16:creationId xmlns:a16="http://schemas.microsoft.com/office/drawing/2014/main" id="{757BC8B2-8189-4E19-BE4E-40A9FE57D730}"/>
+              </a:ext>
+            </a:extLst>
+          </p:cNvPr>
+          <p:cNvPicPr>
+            <a:picLocks noChangeAspect="1"/>
+          </p:cNvPicPr>
+          <p:nvPr/>
+        </p:nvPicPr>
+        <p:blipFill>
+          <a:blip r:embed="rId7"/>
+          <a:stretch>
+            <a:fillRect/>
+          </a:stretch>
+        </p:blipFill>
+        <p:spPr>
+          <a:xfrm>
+            <a:off x="3224609" y="1480838"/>
+            <a:ext cx="2835157" cy="679820"/>
+          </a:xfrm>
+          <a:prstGeom prst="rect">
+            <a:avLst/>
+          </a:prstGeom>
+        </p:spPr>
+      </p:pic>
+      <mc:AlternateContent xmlns:mc="http://schemas.openxmlformats.org/markup-compatibility/2006">
+        <mc:Choice xmlns:a14="http://schemas.microsoft.com/office/drawing/2010/main" Requires="a14">
+          <p:sp>
+            <p:nvSpPr>
+              <p:cNvPr id="28" name="Hộp Văn bản 27">
+                <a:extLst>
+                  <a:ext uri="{FF2B5EF4-FFF2-40B4-BE49-F238E27FC236}">
+                    <a16:creationId xmlns:a16="http://schemas.microsoft.com/office/drawing/2014/main" id="{D364930D-C581-48DD-8753-8CF753A46CBB}"/>
+                  </a:ext>
+                </a:extLst>
+              </p:cNvPr>
+              <p:cNvSpPr txBox="1"/>
+              <p:nvPr/>
+            </p:nvSpPr>
+            <p:spPr>
+              <a:xfrm>
+                <a:off x="49842" y="3632507"/>
+                <a:ext cx="6582320" cy="1200329"/>
+              </a:xfrm>
+              <a:prstGeom prst="rect">
+                <a:avLst/>
+              </a:prstGeom>
+              <a:noFill/>
+            </p:spPr>
+            <p:txBody>
+              <a:bodyPr wrap="square">
+                <a:spAutoFit/>
+              </a:bodyPr>
+              <a:lstStyle/>
+              <a:p>
+                <a:r>
+                  <a:rPr lang="en-US" dirty="0">
+                    <a:latin typeface="Times New Roman" panose="02020603050405020304" pitchFamily="18" charset="0"/>
+                    <a:cs typeface="Times New Roman" panose="02020603050405020304" pitchFamily="18" charset="0"/>
+                  </a:rPr>
+                  <a:t>Set constant K =              (ensures the sum of all values equals 1)</a:t>
+                </a:r>
+              </a:p>
+              <a:p>
+                <a:endParaRPr lang="en-US" dirty="0">
+                  <a:latin typeface="Times New Roman" panose="02020603050405020304" pitchFamily="18" charset="0"/>
+                  <a:cs typeface="Times New Roman" panose="02020603050405020304" pitchFamily="18" charset="0"/>
+                </a:endParaRPr>
+              </a:p>
+              <a:p>
+                <a:r>
+                  <a:rPr lang="en-US" dirty="0">
+                    <a:latin typeface="Times New Roman" panose="02020603050405020304" pitchFamily="18" charset="0"/>
+                    <a:cs typeface="Times New Roman" panose="02020603050405020304" pitchFamily="18" charset="0"/>
+                  </a:rPr>
+                  <a:t> </a:t>
+                </a:r>
+                <a14:m>
+                  <m:oMath xmlns:m="http://schemas.openxmlformats.org/officeDocument/2006/math">
+                    <m:sSup>
+                      <m:sSupPr>
+                        <m:ctrlPr>
+                          <a:rPr lang="en-US" i="1" smtClean="0">
+                            <a:latin typeface="Cambria Math" panose="02040503050406030204" pitchFamily="18" charset="0"/>
+                            <a:cs typeface="Times New Roman" panose="02020603050405020304" pitchFamily="18" charset="0"/>
+                          </a:rPr>
+                        </m:ctrlPr>
+                      </m:sSupPr>
+                      <m:e>
+                        <m:r>
+                          <a:rPr lang="en-US" b="0" i="1" smtClean="0">
+                            <a:latin typeface="Cambria Math" panose="02040503050406030204" pitchFamily="18" charset="0"/>
+                            <a:cs typeface="Times New Roman" panose="02020603050405020304" pitchFamily="18" charset="0"/>
+                          </a:rPr>
+                          <m:t>𝑟</m:t>
+                        </m:r>
+                      </m:e>
+                      <m:sup>
+                        <m:r>
+                          <a:rPr lang="en-US" b="0" i="1" smtClean="0">
+                            <a:latin typeface="Cambria Math" panose="02040503050406030204" pitchFamily="18" charset="0"/>
+                            <a:cs typeface="Times New Roman" panose="02020603050405020304" pitchFamily="18" charset="0"/>
+                          </a:rPr>
+                          <m:t>2</m:t>
+                        </m:r>
+                      </m:sup>
+                    </m:sSup>
+                  </m:oMath>
+                </a14:m>
+                <a:r>
+                  <a:rPr lang="en-US" dirty="0">
+                    <a:latin typeface="Times New Roman" panose="02020603050405020304" pitchFamily="18" charset="0"/>
+                    <a:cs typeface="Times New Roman" panose="02020603050405020304" pitchFamily="18" charset="0"/>
+                  </a:rPr>
+                  <a:t> = </a:t>
+                </a:r>
+                <a14:m>
+                  <m:oMath xmlns:m="http://schemas.openxmlformats.org/officeDocument/2006/math">
+                    <m:sSup>
+                      <m:sSupPr>
+                        <m:ctrlPr>
+                          <a:rPr lang="en-US" i="1" smtClean="0">
+                            <a:latin typeface="Cambria Math" panose="02040503050406030204" pitchFamily="18" charset="0"/>
+                            <a:cs typeface="Times New Roman" panose="02020603050405020304" pitchFamily="18" charset="0"/>
+                          </a:rPr>
+                        </m:ctrlPr>
+                      </m:sSupPr>
+                      <m:e>
+                        <m:r>
+                          <a:rPr lang="en-US" b="0" i="1" smtClean="0">
+                            <a:latin typeface="Cambria Math" panose="02040503050406030204" pitchFamily="18" charset="0"/>
+                            <a:cs typeface="Times New Roman" panose="02020603050405020304" pitchFamily="18" charset="0"/>
+                          </a:rPr>
+                          <m:t>𝑠</m:t>
+                        </m:r>
+                      </m:e>
+                      <m:sup>
+                        <m:r>
+                          <a:rPr lang="en-US" b="0" i="1" smtClean="0">
+                            <a:latin typeface="Cambria Math" panose="02040503050406030204" pitchFamily="18" charset="0"/>
+                            <a:cs typeface="Times New Roman" panose="02020603050405020304" pitchFamily="18" charset="0"/>
+                          </a:rPr>
+                          <m:t>2</m:t>
+                        </m:r>
+                      </m:sup>
+                    </m:sSup>
+                    <m:r>
+                      <a:rPr lang="en-US" b="0" i="1" smtClean="0">
+                        <a:latin typeface="Cambria Math" panose="02040503050406030204" pitchFamily="18" charset="0"/>
+                        <a:cs typeface="Times New Roman" panose="02020603050405020304" pitchFamily="18" charset="0"/>
+                      </a:rPr>
+                      <m:t>+</m:t>
+                    </m:r>
+                    <m:sSup>
+                      <m:sSupPr>
+                        <m:ctrlPr>
+                          <a:rPr lang="en-US" b="0" i="1" smtClean="0">
+                            <a:latin typeface="Cambria Math" panose="02040503050406030204" pitchFamily="18" charset="0"/>
+                            <a:cs typeface="Times New Roman" panose="02020603050405020304" pitchFamily="18" charset="0"/>
+                          </a:rPr>
+                        </m:ctrlPr>
+                      </m:sSupPr>
+                      <m:e>
+                        <m:r>
+                          <a:rPr lang="en-US" b="0" i="1" smtClean="0">
+                            <a:latin typeface="Cambria Math" panose="02040503050406030204" pitchFamily="18" charset="0"/>
+                            <a:cs typeface="Times New Roman" panose="02020603050405020304" pitchFamily="18" charset="0"/>
+                          </a:rPr>
+                          <m:t>𝑡</m:t>
+                        </m:r>
+                      </m:e>
+                      <m:sup>
+                        <m:r>
+                          <a:rPr lang="en-US" b="0" i="1" smtClean="0">
+                            <a:latin typeface="Cambria Math" panose="02040503050406030204" pitchFamily="18" charset="0"/>
+                            <a:cs typeface="Times New Roman" panose="02020603050405020304" pitchFamily="18" charset="0"/>
+                          </a:rPr>
+                          <m:t>2</m:t>
+                        </m:r>
+                      </m:sup>
+                    </m:sSup>
+                  </m:oMath>
+                </a14:m>
+                <a:r>
+                  <a:rPr lang="en-US" dirty="0">
+                    <a:latin typeface="Times New Roman" panose="02020603050405020304" pitchFamily="18" charset="0"/>
+                    <a:cs typeface="Times New Roman" panose="02020603050405020304" pitchFamily="18" charset="0"/>
+                  </a:rPr>
+                  <a:t> (r is </a:t>
+                </a:r>
+                <a:r>
+                  <a:rPr lang="en-US" dirty="0">
+                    <a:solidFill>
+                      <a:srgbClr val="242021"/>
+                    </a:solidFill>
+                    <a:latin typeface="TimesTen-Roman"/>
+                  </a:rPr>
+                  <a:t>distances from the center for various sizes of square kernels)</a:t>
+                </a:r>
+                <a:endParaRPr lang="en-US" dirty="0"/>
+              </a:p>
+            </p:txBody>
+          </p:sp>
+        </mc:Choice>
+        <mc:Fallback>
+          <p:sp>
+            <p:nvSpPr>
+              <p:cNvPr id="28" name="Hộp Văn bản 27">
+                <a:extLst>
+                  <a:ext uri="{FF2B5EF4-FFF2-40B4-BE49-F238E27FC236}">
+                    <a16:creationId xmlns:a16="http://schemas.microsoft.com/office/drawing/2014/main" id="{D364930D-C581-48DD-8753-8CF753A46CBB}"/>
+                  </a:ext>
+                </a:extLst>
+              </p:cNvPr>
+              <p:cNvSpPr txBox="1">
+                <a:spLocks noRot="1" noChangeAspect="1" noMove="1" noResize="1" noEditPoints="1" noAdjustHandles="1" noChangeArrowheads="1" noChangeShapeType="1" noTextEdit="1"/>
+              </p:cNvSpPr>
+              <p:nvPr/>
+            </p:nvSpPr>
+            <p:spPr>
+              <a:xfrm>
+                <a:off x="49842" y="3632507"/>
+                <a:ext cx="6582320" cy="1200329"/>
+              </a:xfrm>
+              <a:prstGeom prst="rect">
+                <a:avLst/>
+              </a:prstGeom>
+              <a:blipFill>
+                <a:blip r:embed="rId8"/>
+                <a:stretch>
+                  <a:fillRect l="-741" t="-3046" b="-7107"/>
+                </a:stretch>
+              </a:blipFill>
+            </p:spPr>
+            <p:txBody>
+              <a:bodyPr/>
+              <a:lstStyle/>
+              <a:p>
+                <a:r>
+                  <a:rPr lang="en-US">
+                    <a:noFill/>
+                  </a:rPr>
+                  <a:t> </a:t>
+                </a:r>
+              </a:p>
+            </p:txBody>
+          </p:sp>
+        </mc:Fallback>
+      </mc:AlternateContent>
+      <p:pic>
+        <p:nvPicPr>
+          <p:cNvPr id="29" name="Hình ảnh 28">
+            <a:extLst>
+              <a:ext uri="{FF2B5EF4-FFF2-40B4-BE49-F238E27FC236}">
+                <a16:creationId xmlns:a16="http://schemas.microsoft.com/office/drawing/2014/main" id="{0068A77B-C2DE-463A-B3F6-F5AE461B104D}"/>
+              </a:ext>
+            </a:extLst>
+          </p:cNvPr>
+          <p:cNvPicPr>
+            <a:picLocks noChangeAspect="1"/>
+          </p:cNvPicPr>
+          <p:nvPr/>
+        </p:nvPicPr>
+        <p:blipFill>
+          <a:blip r:embed="rId9"/>
+          <a:stretch>
+            <a:fillRect/>
+          </a:stretch>
+        </p:blipFill>
+        <p:spPr>
+          <a:xfrm>
+            <a:off x="1721705" y="3467427"/>
+            <a:ext cx="619125" cy="657225"/>
+          </a:xfrm>
+          <a:prstGeom prst="rect">
+            <a:avLst/>
+          </a:prstGeom>
+        </p:spPr>
+      </p:pic>
+      <p:pic>
+        <p:nvPicPr>
+          <p:cNvPr id="30" name="Hình ảnh 29">
+            <a:extLst>
+              <a:ext uri="{FF2B5EF4-FFF2-40B4-BE49-F238E27FC236}">
+                <a16:creationId xmlns:a16="http://schemas.microsoft.com/office/drawing/2014/main" id="{E8BFE543-A71A-4D43-8DAE-B7DBBA991953}"/>
+              </a:ext>
+            </a:extLst>
+          </p:cNvPr>
+          <p:cNvPicPr>
+            <a:picLocks noChangeAspect="1"/>
+          </p:cNvPicPr>
+          <p:nvPr/>
+        </p:nvPicPr>
+        <p:blipFill>
+          <a:blip r:embed="rId10"/>
+          <a:stretch>
+            <a:fillRect/>
+          </a:stretch>
+        </p:blipFill>
+        <p:spPr>
+          <a:xfrm>
+            <a:off x="2200084" y="4832836"/>
+            <a:ext cx="1838582" cy="704948"/>
+          </a:xfrm>
+          <a:prstGeom prst="rect">
+            <a:avLst/>
+          </a:prstGeom>
+        </p:spPr>
+      </p:pic>
     </p:spTree>
     <p:extLst>
       <p:ext uri="{BB962C8B-B14F-4D97-AF65-F5344CB8AC3E}">
@@ -5297,6 +6286,61 @@
 </file>
 
 <file path=ppt/slides/slide12.xml><?xml version="1.0" encoding="utf-8"?>
+<p:sld xmlns:a="http://schemas.openxmlformats.org/drawingml/2006/main" xmlns:r="http://schemas.openxmlformats.org/officeDocument/2006/relationships" xmlns:p="http://schemas.openxmlformats.org/presentationml/2006/main">
+  <p:cSld>
+    <p:spTree>
+      <p:nvGrpSpPr>
+        <p:cNvPr id="1" name=""/>
+        <p:cNvGrpSpPr/>
+        <p:nvPr/>
+      </p:nvGrpSpPr>
+      <p:grpSpPr>
+        <a:xfrm>
+          <a:off x="0" y="0"/>
+          <a:ext cx="0" cy="0"/>
+          <a:chOff x="0" y="0"/>
+          <a:chExt cx="0" cy="0"/>
+        </a:xfrm>
+      </p:grpSpPr>
+      <p:sp>
+        <p:nvSpPr>
+          <p:cNvPr id="2" name="Tiêu đề 1">
+            <a:extLst>
+              <a:ext uri="{FF2B5EF4-FFF2-40B4-BE49-F238E27FC236}">
+                <a16:creationId xmlns:a16="http://schemas.microsoft.com/office/drawing/2014/main" id="{C481D1B3-F036-4E9B-8269-8BEAADF55A2A}"/>
+              </a:ext>
+            </a:extLst>
+          </p:cNvPr>
+          <p:cNvSpPr>
+            <a:spLocks noGrp="1"/>
+          </p:cNvSpPr>
+          <p:nvPr>
+            <p:ph type="title"/>
+          </p:nvPr>
+        </p:nvSpPr>
+        <p:spPr/>
+        <p:txBody>
+          <a:bodyPr/>
+          <a:lstStyle/>
+          <a:p>
+            <a:endParaRPr lang="en-US"/>
+          </a:p>
+        </p:txBody>
+      </p:sp>
+    </p:spTree>
+    <p:extLst>
+      <p:ext uri="{BB962C8B-B14F-4D97-AF65-F5344CB8AC3E}">
+        <p14:creationId xmlns:p14="http://schemas.microsoft.com/office/powerpoint/2010/main" val="3036334920"/>
+      </p:ext>
+    </p:extLst>
+  </p:cSld>
+  <p:clrMapOvr>
+    <a:masterClrMapping/>
+  </p:clrMapOvr>
+</p:sld>
+</file>
+
+<file path=ppt/slides/slide13.xml><?xml version="1.0" encoding="utf-8"?>
 <p:sld xmlns:a="http://schemas.openxmlformats.org/drawingml/2006/main" xmlns:r="http://schemas.openxmlformats.org/officeDocument/2006/relationships" xmlns:p="http://schemas.openxmlformats.org/presentationml/2006/main">
   <p:cSld>
     <p:spTree>
@@ -27182,7 +28226,7 @@
 </p:sld>
 </file>
 
-<file path=ppt/slides/slide13.xml><?xml version="1.0" encoding="utf-8"?>
+<file path=ppt/slides/slide14.xml><?xml version="1.0" encoding="utf-8"?>
 <p:sld xmlns:a="http://schemas.openxmlformats.org/drawingml/2006/main" xmlns:r="http://schemas.openxmlformats.org/officeDocument/2006/relationships" xmlns:p="http://schemas.openxmlformats.org/presentationml/2006/main">
   <p:cSld>
     <p:spTree>
@@ -27297,86 +28341,6 @@
 </p:sld>
 </file>
 
-<file path=ppt/slides/slide14.xml><?xml version="1.0" encoding="utf-8"?>
-<p:sld xmlns:a="http://schemas.openxmlformats.org/drawingml/2006/main" xmlns:r="http://schemas.openxmlformats.org/officeDocument/2006/relationships" xmlns:p="http://schemas.openxmlformats.org/presentationml/2006/main">
-  <p:cSld>
-    <p:spTree>
-      <p:nvGrpSpPr>
-        <p:cNvPr id="1" name=""/>
-        <p:cNvGrpSpPr/>
-        <p:nvPr/>
-      </p:nvGrpSpPr>
-      <p:grpSpPr>
-        <a:xfrm>
-          <a:off x="0" y="0"/>
-          <a:ext cx="0" cy="0"/>
-          <a:chOff x="0" y="0"/>
-          <a:chExt cx="0" cy="0"/>
-        </a:xfrm>
-      </p:grpSpPr>
-      <p:sp>
-        <p:nvSpPr>
-          <p:cNvPr id="2" name="Tiêu đề 1">
-            <a:extLst>
-              <a:ext uri="{FF2B5EF4-FFF2-40B4-BE49-F238E27FC236}">
-                <a16:creationId xmlns:a16="http://schemas.microsoft.com/office/drawing/2014/main" id="{C481D1B3-F036-4E9B-8269-8BEAADF55A2A}"/>
-              </a:ext>
-            </a:extLst>
-          </p:cNvPr>
-          <p:cNvSpPr>
-            <a:spLocks noGrp="1"/>
-          </p:cNvSpPr>
-          <p:nvPr>
-            <p:ph type="title"/>
-          </p:nvPr>
-        </p:nvSpPr>
-        <p:spPr/>
-        <p:txBody>
-          <a:bodyPr/>
-          <a:lstStyle/>
-          <a:p>
-            <a:endParaRPr lang="en-US"/>
-          </a:p>
-        </p:txBody>
-      </p:sp>
-      <p:sp>
-        <p:nvSpPr>
-          <p:cNvPr id="3" name="Chỗ dành sẵn cho Văn bản 2">
-            <a:extLst>
-              <a:ext uri="{FF2B5EF4-FFF2-40B4-BE49-F238E27FC236}">
-                <a16:creationId xmlns:a16="http://schemas.microsoft.com/office/drawing/2014/main" id="{F7109206-BE19-4BBD-8EA5-A5FCF89FA797}"/>
-              </a:ext>
-            </a:extLst>
-          </p:cNvPr>
-          <p:cNvSpPr>
-            <a:spLocks noGrp="1"/>
-          </p:cNvSpPr>
-          <p:nvPr>
-            <p:ph type="body" sz="quarter" idx="13"/>
-          </p:nvPr>
-        </p:nvSpPr>
-        <p:spPr/>
-        <p:txBody>
-          <a:bodyPr/>
-          <a:lstStyle/>
-          <a:p>
-            <a:endParaRPr lang="en-US"/>
-          </a:p>
-        </p:txBody>
-      </p:sp>
-    </p:spTree>
-    <p:extLst>
-      <p:ext uri="{BB962C8B-B14F-4D97-AF65-F5344CB8AC3E}">
-        <p14:creationId xmlns:p14="http://schemas.microsoft.com/office/powerpoint/2010/main" val="3036334920"/>
-      </p:ext>
-    </p:extLst>
-  </p:cSld>
-  <p:clrMapOvr>
-    <a:masterClrMapping/>
-  </p:clrMapOvr>
-</p:sld>
-</file>
-
 <file path=ppt/slides/slide15.xml><?xml version="1.0" encoding="utf-8"?>
 <p:sld xmlns:a="http://schemas.openxmlformats.org/drawingml/2006/main" xmlns:r="http://schemas.openxmlformats.org/officeDocument/2006/relationships" xmlns:p="http://schemas.openxmlformats.org/presentationml/2006/main">
   <p:cSld>
@@ -27419,31 +28383,96 @@
           </a:p>
         </p:txBody>
       </p:sp>
-      <p:sp>
-        <p:nvSpPr>
-          <p:cNvPr id="3" name="Chỗ dành sẵn cho Văn bản 2">
+      <p:pic>
+        <p:nvPicPr>
+          <p:cNvPr id="7" name="Hình ảnh 6">
             <a:extLst>
               <a:ext uri="{FF2B5EF4-FFF2-40B4-BE49-F238E27FC236}">
-                <a16:creationId xmlns:a16="http://schemas.microsoft.com/office/drawing/2014/main" id="{9ADE28B3-746E-4B88-97F1-A614ECCED944}"/>
+                <a16:creationId xmlns:a16="http://schemas.microsoft.com/office/drawing/2014/main" id="{E4C49B15-378B-46AF-9FBD-620802F7F96D}"/>
               </a:ext>
             </a:extLst>
           </p:cNvPr>
-          <p:cNvSpPr>
-            <a:spLocks noGrp="1"/>
-          </p:cNvSpPr>
-          <p:nvPr>
-            <p:ph type="body" sz="quarter" idx="13"/>
-          </p:nvPr>
-        </p:nvSpPr>
-        <p:spPr/>
-        <p:txBody>
-          <a:bodyPr/>
-          <a:lstStyle/>
-          <a:p>
-            <a:endParaRPr lang="en-US"/>
-          </a:p>
-        </p:txBody>
-      </p:sp>
+          <p:cNvPicPr>
+            <a:picLocks noChangeAspect="1"/>
+          </p:cNvPicPr>
+          <p:nvPr/>
+        </p:nvPicPr>
+        <p:blipFill>
+          <a:blip r:embed="rId2"/>
+          <a:stretch>
+            <a:fillRect/>
+          </a:stretch>
+        </p:blipFill>
+        <p:spPr>
+          <a:xfrm>
+            <a:off x="538560" y="1812163"/>
+            <a:ext cx="2926000" cy="2933189"/>
+          </a:xfrm>
+          <a:prstGeom prst="rect">
+            <a:avLst/>
+          </a:prstGeom>
+        </p:spPr>
+      </p:pic>
+      <p:pic>
+        <p:nvPicPr>
+          <p:cNvPr id="8" name="Hình ảnh 7">
+            <a:extLst>
+              <a:ext uri="{FF2B5EF4-FFF2-40B4-BE49-F238E27FC236}">
+                <a16:creationId xmlns:a16="http://schemas.microsoft.com/office/drawing/2014/main" id="{45CA600E-32E1-4157-B7A4-3F0794DE7890}"/>
+              </a:ext>
+            </a:extLst>
+          </p:cNvPr>
+          <p:cNvPicPr>
+            <a:picLocks noChangeAspect="1"/>
+          </p:cNvPicPr>
+          <p:nvPr/>
+        </p:nvPicPr>
+        <p:blipFill>
+          <a:blip r:embed="rId3"/>
+          <a:stretch>
+            <a:fillRect/>
+          </a:stretch>
+        </p:blipFill>
+        <p:spPr>
+          <a:xfrm>
+            <a:off x="4622233" y="1812162"/>
+            <a:ext cx="2947533" cy="2933190"/>
+          </a:xfrm>
+          <a:prstGeom prst="rect">
+            <a:avLst/>
+          </a:prstGeom>
+        </p:spPr>
+      </p:pic>
+      <p:pic>
+        <p:nvPicPr>
+          <p:cNvPr id="9" name="Hình ảnh 8">
+            <a:extLst>
+              <a:ext uri="{FF2B5EF4-FFF2-40B4-BE49-F238E27FC236}">
+                <a16:creationId xmlns:a16="http://schemas.microsoft.com/office/drawing/2014/main" id="{5A3ED54E-8034-469A-9069-116EADC06297}"/>
+              </a:ext>
+            </a:extLst>
+          </p:cNvPr>
+          <p:cNvPicPr>
+            <a:picLocks noChangeAspect="1"/>
+          </p:cNvPicPr>
+          <p:nvPr/>
+        </p:nvPicPr>
+        <p:blipFill>
+          <a:blip r:embed="rId4"/>
+          <a:stretch>
+            <a:fillRect/>
+          </a:stretch>
+        </p:blipFill>
+        <p:spPr>
+          <a:xfrm>
+            <a:off x="8561659" y="1812162"/>
+            <a:ext cx="2945887" cy="2933190"/>
+          </a:xfrm>
+          <a:prstGeom prst="rect">
+            <a:avLst/>
+          </a:prstGeom>
+        </p:spPr>
+      </p:pic>
     </p:spTree>
     <p:extLst>
       <p:ext uri="{BB962C8B-B14F-4D97-AF65-F5344CB8AC3E}">
@@ -28593,7 +29622,7 @@
         </p:nvSpPr>
         <p:spPr>
           <a:xfrm>
-            <a:off x="3352800" y="3101340"/>
+            <a:off x="3352800" y="3086100"/>
             <a:ext cx="419100" cy="441960"/>
           </a:xfrm>
           <a:prstGeom prst="rect">

--- a/Document/SlideWeek2/Spatial Filltering .pptx
+++ b/Document/SlideWeek2/Spatial Filltering .pptx
@@ -20,9 +20,9 @@
     <p:sldId id="1147" r:id="rId11"/>
     <p:sldId id="1148" r:id="rId12"/>
     <p:sldId id="1149" r:id="rId13"/>
-    <p:sldId id="1139" r:id="rId14"/>
-    <p:sldId id="1161" r:id="rId15"/>
-    <p:sldId id="1150" r:id="rId16"/>
+    <p:sldId id="1150" r:id="rId14"/>
+    <p:sldId id="1139" r:id="rId15"/>
+    <p:sldId id="1161" r:id="rId16"/>
     <p:sldId id="1151" r:id="rId17"/>
     <p:sldId id="1152" r:id="rId18"/>
     <p:sldId id="1153" r:id="rId19"/>
@@ -220,7 +220,7 @@
           <a:p>
             <a:fld id="{5B14C9EB-6DB0-4253-A534-AA6AC3B617E1}" type="datetimeFigureOut">
               <a:rPr lang="en-US" smtClean="0"/>
-              <a:t>5/15/2025</a:t>
+              <a:t>5/14/2025</a:t>
             </a:fld>
             <a:endParaRPr lang="en-US"/>
           </a:p>
@@ -1040,6 +1040,193 @@
       </p:grpSpPr>
       <p:sp>
         <p:nvSpPr>
+          <p:cNvPr id="2" name="Slide Image Placeholder 1"/>
+          <p:cNvSpPr>
+            <a:spLocks noGrp="1" noRot="1" noChangeAspect="1"/>
+          </p:cNvSpPr>
+          <p:nvPr>
+            <p:ph type="sldImg"/>
+          </p:nvPr>
+        </p:nvSpPr>
+        <p:spPr/>
+      </p:sp>
+      <p:sp>
+        <p:nvSpPr>
+          <p:cNvPr id="3" name="Notes Placeholder 2"/>
+          <p:cNvSpPr>
+            <a:spLocks noGrp="1"/>
+          </p:cNvSpPr>
+          <p:nvPr>
+            <p:ph type="body" idx="1"/>
+          </p:nvPr>
+        </p:nvSpPr>
+        <p:spPr/>
+        <p:txBody>
+          <a:bodyPr/>
+          <a:lstStyle/>
+          <a:p>
+            <a:endParaRPr lang="en-US" dirty="0"/>
+          </a:p>
+        </p:txBody>
+      </p:sp>
+      <p:sp>
+        <p:nvSpPr>
+          <p:cNvPr id="4" name="Slide Number Placeholder 3"/>
+          <p:cNvSpPr>
+            <a:spLocks noGrp="1"/>
+          </p:cNvSpPr>
+          <p:nvPr>
+            <p:ph type="sldNum" sz="quarter" idx="5"/>
+          </p:nvPr>
+        </p:nvSpPr>
+        <p:spPr/>
+        <p:txBody>
+          <a:bodyPr/>
+          <a:lstStyle/>
+          <a:p>
+            <a:fld id="{4BB17C66-5E86-48FA-A33E-66AB0EC7811B}" type="slidenum">
+              <a:rPr lang="en-US" smtClean="0"/>
+              <a:t>12</a:t>
+            </a:fld>
+            <a:endParaRPr lang="en-US"/>
+          </a:p>
+        </p:txBody>
+      </p:sp>
+    </p:spTree>
+    <p:extLst>
+      <p:ext uri="{BB962C8B-B14F-4D97-AF65-F5344CB8AC3E}">
+        <p14:creationId xmlns:p14="http://schemas.microsoft.com/office/powerpoint/2010/main" val="3913108799"/>
+      </p:ext>
+    </p:extLst>
+  </p:cSld>
+  <p:clrMapOvr>
+    <a:masterClrMapping/>
+  </p:clrMapOvr>
+</p:notes>
+</file>
+
+<file path=ppt/notesSlides/notesSlide13.xml><?xml version="1.0" encoding="utf-8"?>
+<p:notes xmlns:a="http://schemas.openxmlformats.org/drawingml/2006/main" xmlns:r="http://schemas.openxmlformats.org/officeDocument/2006/relationships" xmlns:p="http://schemas.openxmlformats.org/presentationml/2006/main">
+  <p:cSld>
+    <p:spTree>
+      <p:nvGrpSpPr>
+        <p:cNvPr id="1" name=""/>
+        <p:cNvGrpSpPr/>
+        <p:nvPr/>
+      </p:nvGrpSpPr>
+      <p:grpSpPr>
+        <a:xfrm>
+          <a:off x="0" y="0"/>
+          <a:ext cx="0" cy="0"/>
+          <a:chOff x="0" y="0"/>
+          <a:chExt cx="0" cy="0"/>
+        </a:xfrm>
+      </p:grpSpPr>
+      <p:sp>
+        <p:nvSpPr>
+          <p:cNvPr id="2" name="Slide Image Placeholder 1"/>
+          <p:cNvSpPr>
+            <a:spLocks noGrp="1" noRot="1" noChangeAspect="1"/>
+          </p:cNvSpPr>
+          <p:nvPr>
+            <p:ph type="sldImg"/>
+          </p:nvPr>
+        </p:nvSpPr>
+        <p:spPr/>
+      </p:sp>
+      <p:sp>
+        <p:nvSpPr>
+          <p:cNvPr id="3" name="Notes Placeholder 2"/>
+          <p:cNvSpPr>
+            <a:spLocks noGrp="1"/>
+          </p:cNvSpPr>
+          <p:nvPr>
+            <p:ph type="body" idx="1"/>
+          </p:nvPr>
+        </p:nvSpPr>
+        <p:spPr/>
+        <p:txBody>
+          <a:bodyPr/>
+          <a:lstStyle/>
+          <a:p>
+            <a:r>
+              <a:rPr lang="en-US" dirty="0"/>
+              <a:t>Comparing the </a:t>
+            </a:r>
+            <a:r>
+              <a:rPr lang="en-US" b="1" dirty="0"/>
+              <a:t>Box kernel</a:t>
+            </a:r>
+            <a:r>
+              <a:rPr lang="en-US" dirty="0"/>
+              <a:t> and the </a:t>
+            </a:r>
+            <a:r>
+              <a:rPr lang="en-US" b="1" dirty="0"/>
+              <a:t>Gaussian kernel </a:t>
+            </a:r>
+            <a:r>
+              <a:rPr lang="en-US" dirty="0"/>
+              <a:t>you'll notice that with kernels of the same size, the box kernel blurs and distorts the shape of the image, while the Gaussian kernel only blurs it. Compared to a 43x43 Gaussian kernel, we see that the level of blur is similar, but when using the Gaussian kernel, the shapes of the details are still preserved. Therefore, in image processing, when the goal is to smooth the image, the Gaussian kernel is more commonly used."</a:t>
+            </a:r>
+          </a:p>
+        </p:txBody>
+      </p:sp>
+      <p:sp>
+        <p:nvSpPr>
+          <p:cNvPr id="4" name="Slide Number Placeholder 3"/>
+          <p:cNvSpPr>
+            <a:spLocks noGrp="1"/>
+          </p:cNvSpPr>
+          <p:nvPr>
+            <p:ph type="sldNum" sz="quarter" idx="5"/>
+          </p:nvPr>
+        </p:nvSpPr>
+        <p:spPr/>
+        <p:txBody>
+          <a:bodyPr/>
+          <a:lstStyle/>
+          <a:p>
+            <a:fld id="{4BB17C66-5E86-48FA-A33E-66AB0EC7811B}" type="slidenum">
+              <a:rPr lang="en-US" smtClean="0"/>
+              <a:t>13</a:t>
+            </a:fld>
+            <a:endParaRPr lang="en-US"/>
+          </a:p>
+        </p:txBody>
+      </p:sp>
+    </p:spTree>
+    <p:extLst>
+      <p:ext uri="{BB962C8B-B14F-4D97-AF65-F5344CB8AC3E}">
+        <p14:creationId xmlns:p14="http://schemas.microsoft.com/office/powerpoint/2010/main" val="1628021723"/>
+      </p:ext>
+    </p:extLst>
+  </p:cSld>
+  <p:clrMapOvr>
+    <a:masterClrMapping/>
+  </p:clrMapOvr>
+</p:notes>
+</file>
+
+<file path=ppt/notesSlides/notesSlide14.xml><?xml version="1.0" encoding="utf-8"?>
+<p:notes xmlns:a="http://schemas.openxmlformats.org/drawingml/2006/main" xmlns:r="http://schemas.openxmlformats.org/officeDocument/2006/relationships" xmlns:p="http://schemas.openxmlformats.org/presentationml/2006/main">
+  <p:cSld>
+    <p:spTree>
+      <p:nvGrpSpPr>
+        <p:cNvPr id="1" name=""/>
+        <p:cNvGrpSpPr/>
+        <p:nvPr/>
+      </p:nvGrpSpPr>
+      <p:grpSpPr>
+        <a:xfrm>
+          <a:off x="0" y="0"/>
+          <a:ext cx="0" cy="0"/>
+          <a:chOff x="0" y="0"/>
+          <a:chExt cx="0" cy="0"/>
+        </a:xfrm>
+      </p:grpSpPr>
+      <p:sp>
+        <p:nvSpPr>
           <p:cNvPr id="2" name="Chỗ dành sẵn cho Hình ảnh của Bản chiếu 1"/>
           <p:cNvSpPr>
             <a:spLocks noGrp="1" noRot="1" noChangeAspect="1"/>
@@ -1122,7 +1309,7 @@
           <a:p>
             <a:fld id="{4BB17C66-5E86-48FA-A33E-66AB0EC7811B}" type="slidenum">
               <a:rPr lang="en-US" smtClean="0"/>
-              <a:t>13</a:t>
+              <a:t>14</a:t>
             </a:fld>
             <a:endParaRPr lang="en-US"/>
           </a:p>
@@ -1141,7 +1328,7 @@
 </p:notes>
 </file>
 
-<file path=ppt/notesSlides/notesSlide13.xml><?xml version="1.0" encoding="utf-8"?>
+<file path=ppt/notesSlides/notesSlide15.xml><?xml version="1.0" encoding="utf-8"?>
 <p:notes xmlns:a="http://schemas.openxmlformats.org/drawingml/2006/main" xmlns:r="http://schemas.openxmlformats.org/officeDocument/2006/relationships" xmlns:p="http://schemas.openxmlformats.org/presentationml/2006/main">
   <p:cSld>
     <p:spTree>
@@ -1212,7 +1399,7 @@
           <a:p>
             <a:fld id="{4BB17C66-5E86-48FA-A33E-66AB0EC7811B}" type="slidenum">
               <a:rPr lang="en-US" smtClean="0"/>
-              <a:t>14</a:t>
+              <a:t>15</a:t>
             </a:fld>
             <a:endParaRPr lang="en-US"/>
           </a:p>
@@ -4919,7 +5106,7 @@
         </p:blipFill>
         <p:spPr>
           <a:xfrm>
-            <a:off x="371306" y="957693"/>
+            <a:off x="371306" y="1982625"/>
             <a:ext cx="2471307" cy="2471307"/>
           </a:xfrm>
           <a:prstGeom prst="rect">
@@ -4949,7 +5136,7 @@
         </p:blipFill>
         <p:spPr>
           <a:xfrm>
-            <a:off x="3331098" y="957693"/>
+            <a:off x="3331098" y="1982625"/>
             <a:ext cx="2455329" cy="2471307"/>
           </a:xfrm>
           <a:prstGeom prst="rect">
@@ -4979,7 +5166,7 @@
         </p:blipFill>
         <p:spPr>
           <a:xfrm>
-            <a:off x="6170777" y="957693"/>
+            <a:off x="6170777" y="1982625"/>
             <a:ext cx="2465991" cy="2471306"/>
           </a:xfrm>
           <a:prstGeom prst="rect">
@@ -5009,7 +5196,7 @@
         </p:blipFill>
         <p:spPr>
           <a:xfrm>
-            <a:off x="9021118" y="957693"/>
+            <a:off x="9021118" y="1982625"/>
             <a:ext cx="2465992" cy="2471306"/>
           </a:xfrm>
           <a:prstGeom prst="rect">
@@ -5031,7 +5218,7 @@
         </p:nvSpPr>
         <p:spPr>
           <a:xfrm>
-            <a:off x="-209761" y="3428999"/>
+            <a:off x="-209761" y="4453931"/>
             <a:ext cx="3633440" cy="646331"/>
           </a:xfrm>
           <a:prstGeom prst="rect">
@@ -5107,7 +5294,7 @@
         </p:nvSpPr>
         <p:spPr>
           <a:xfrm>
-            <a:off x="3436206" y="3428999"/>
+            <a:off x="3436206" y="4453931"/>
             <a:ext cx="2245112" cy="646331"/>
           </a:xfrm>
           <a:prstGeom prst="rect">
@@ -5162,7 +5349,7 @@
         </p:nvSpPr>
         <p:spPr>
           <a:xfrm>
-            <a:off x="6281216" y="3463272"/>
+            <a:off x="6281216" y="4488204"/>
             <a:ext cx="2245112" cy="646331"/>
           </a:xfrm>
           <a:prstGeom prst="rect">
@@ -5245,7 +5432,7 @@
         </p:nvSpPr>
         <p:spPr>
           <a:xfrm>
-            <a:off x="9128340" y="3463272"/>
+            <a:off x="9128340" y="4488204"/>
             <a:ext cx="2245112" cy="646331"/>
           </a:xfrm>
           <a:prstGeom prst="rect">
@@ -5325,6 +5512,114 @@
               <a:rPr lang="en-US" dirty="0"/>
               <a:t>BOX FILTER KERNEL</a:t>
             </a:r>
+          </a:p>
+        </p:txBody>
+      </p:sp>
+      <p:sp>
+        <p:nvSpPr>
+          <p:cNvPr id="2" name="Oval 1">
+            <a:extLst>
+              <a:ext uri="{FF2B5EF4-FFF2-40B4-BE49-F238E27FC236}">
+                <a16:creationId xmlns:a16="http://schemas.microsoft.com/office/drawing/2014/main" id="{E407672E-045F-D221-5980-8CB16A2F73DB}"/>
+              </a:ext>
+            </a:extLst>
+          </p:cNvPr>
+          <p:cNvSpPr/>
+          <p:nvPr/>
+        </p:nvSpPr>
+        <p:spPr>
+          <a:xfrm>
+            <a:off x="9021118" y="2085975"/>
+            <a:ext cx="332432" cy="361950"/>
+          </a:xfrm>
+          <a:prstGeom prst="ellipse">
+            <a:avLst/>
+          </a:prstGeom>
+          <a:noFill/>
+          <a:ln w="9525" cap="flat" cmpd="sng" algn="ctr">
+            <a:solidFill>
+              <a:schemeClr val="accent2"/>
+            </a:solidFill>
+            <a:prstDash val="solid"/>
+            <a:round/>
+            <a:headEnd type="none" w="med" len="med"/>
+            <a:tailEnd type="none" w="med" len="med"/>
+          </a:ln>
+        </p:spPr>
+        <p:style>
+          <a:lnRef idx="0">
+            <a:scrgbClr r="0" g="0" b="0"/>
+          </a:lnRef>
+          <a:fillRef idx="0">
+            <a:scrgbClr r="0" g="0" b="0"/>
+          </a:fillRef>
+          <a:effectRef idx="0">
+            <a:scrgbClr r="0" g="0" b="0"/>
+          </a:effectRef>
+          <a:fontRef idx="minor">
+            <a:schemeClr val="accent2"/>
+          </a:fontRef>
+        </p:style>
+        <p:txBody>
+          <a:bodyPr rtlCol="0" anchor="ctr"/>
+          <a:lstStyle/>
+          <a:p>
+            <a:pPr algn="ctr"/>
+            <a:endParaRPr lang="en-US"/>
+          </a:p>
+        </p:txBody>
+      </p:sp>
+      <p:sp>
+        <p:nvSpPr>
+          <p:cNvPr id="3" name="Oval 2">
+            <a:extLst>
+              <a:ext uri="{FF2B5EF4-FFF2-40B4-BE49-F238E27FC236}">
+                <a16:creationId xmlns:a16="http://schemas.microsoft.com/office/drawing/2014/main" id="{89A93A51-7001-9BD6-FBE3-0350E6577D53}"/>
+              </a:ext>
+            </a:extLst>
+          </p:cNvPr>
+          <p:cNvSpPr/>
+          <p:nvPr/>
+        </p:nvSpPr>
+        <p:spPr>
+          <a:xfrm>
+            <a:off x="9021118" y="4048126"/>
+            <a:ext cx="332432" cy="361950"/>
+          </a:xfrm>
+          <a:prstGeom prst="ellipse">
+            <a:avLst/>
+          </a:prstGeom>
+          <a:noFill/>
+          <a:ln w="9525" cap="flat" cmpd="sng" algn="ctr">
+            <a:solidFill>
+              <a:schemeClr val="accent2"/>
+            </a:solidFill>
+            <a:prstDash val="solid"/>
+            <a:round/>
+            <a:headEnd type="none" w="med" len="med"/>
+            <a:tailEnd type="none" w="med" len="med"/>
+          </a:ln>
+        </p:spPr>
+        <p:style>
+          <a:lnRef idx="0">
+            <a:scrgbClr r="0" g="0" b="0"/>
+          </a:lnRef>
+          <a:fillRef idx="0">
+            <a:scrgbClr r="0" g="0" b="0"/>
+          </a:fillRef>
+          <a:effectRef idx="0">
+            <a:scrgbClr r="0" g="0" b="0"/>
+          </a:effectRef>
+          <a:fontRef idx="minor">
+            <a:schemeClr val="accent2"/>
+          </a:fontRef>
+        </p:style>
+        <p:txBody>
+          <a:bodyPr rtlCol="0" anchor="ctr"/>
+          <a:lstStyle/>
+          <a:p>
+            <a:pPr algn="ctr"/>
+            <a:endParaRPr lang="en-US"/>
           </a:p>
         </p:txBody>
       </p:sp>
@@ -5652,8 +5947,8 @@
           </a:fontRef>
         </p:style>
       </p:cxnSp>
-      <mc:AlternateContent xmlns:mc="http://schemas.openxmlformats.org/markup-compatibility/2006">
-        <mc:Choice xmlns:a14="http://schemas.microsoft.com/office/drawing/2010/main" Requires="a14">
+      <mc:AlternateContent xmlns:mc="http://schemas.openxmlformats.org/markup-compatibility/2006" xmlns:a14="http://schemas.microsoft.com/office/drawing/2010/main">
+        <mc:Choice Requires="a14">
           <p:sp>
             <p:nvSpPr>
               <p:cNvPr id="21" name="Hộp Văn bản 20">
@@ -5813,7 +6108,7 @@
             </p:txBody>
           </p:sp>
         </mc:Choice>
-        <mc:Fallback>
+        <mc:Fallback xmlns="">
           <p:sp>
             <p:nvSpPr>
               <p:cNvPr id="21" name="Hộp Văn bản 20">
@@ -5988,8 +6283,8 @@
           </a:prstGeom>
         </p:spPr>
       </p:pic>
-      <mc:AlternateContent xmlns:mc="http://schemas.openxmlformats.org/markup-compatibility/2006">
-        <mc:Choice xmlns:a14="http://schemas.microsoft.com/office/drawing/2010/main" Requires="a14">
+      <mc:AlternateContent xmlns:mc="http://schemas.openxmlformats.org/markup-compatibility/2006" xmlns:a14="http://schemas.microsoft.com/office/drawing/2010/main">
+        <mc:Choice Requires="a14">
           <p:sp>
             <p:nvSpPr>
               <p:cNvPr id="28" name="Hộp Văn bản 27">
@@ -6167,7 +6462,7 @@
             </p:txBody>
           </p:sp>
         </mc:Choice>
-        <mc:Fallback>
+        <mc:Fallback xmlns="">
           <p:sp>
             <p:nvSpPr>
               <p:cNvPr id="28" name="Hộp Văn bản 27">
@@ -6302,12 +6597,42 @@
           <a:chExt cx="0" cy="0"/>
         </a:xfrm>
       </p:grpSpPr>
+      <p:pic>
+        <p:nvPicPr>
+          <p:cNvPr id="4" name="Picture 3">
+            <a:extLst>
+              <a:ext uri="{FF2B5EF4-FFF2-40B4-BE49-F238E27FC236}">
+                <a16:creationId xmlns:a16="http://schemas.microsoft.com/office/drawing/2014/main" id="{A63159D9-A5BA-B457-EB2A-8A542338D8CC}"/>
+              </a:ext>
+            </a:extLst>
+          </p:cNvPr>
+          <p:cNvPicPr>
+            <a:picLocks noChangeAspect="1"/>
+          </p:cNvPicPr>
+          <p:nvPr/>
+        </p:nvPicPr>
+        <p:blipFill>
+          <a:blip r:embed="rId3"/>
+          <a:stretch>
+            <a:fillRect/>
+          </a:stretch>
+        </p:blipFill>
+        <p:spPr>
+          <a:xfrm>
+            <a:off x="335360" y="1309391"/>
+            <a:ext cx="10383699" cy="4239217"/>
+          </a:xfrm>
+          <a:prstGeom prst="rect">
+            <a:avLst/>
+          </a:prstGeom>
+        </p:spPr>
+      </p:pic>
       <p:sp>
         <p:nvSpPr>
-          <p:cNvPr id="2" name="Tiêu đề 1">
+          <p:cNvPr id="5" name="Tiêu đề 1">
             <a:extLst>
               <a:ext uri="{FF2B5EF4-FFF2-40B4-BE49-F238E27FC236}">
-                <a16:creationId xmlns:a16="http://schemas.microsoft.com/office/drawing/2014/main" id="{C481D1B3-F036-4E9B-8269-8BEAADF55A2A}"/>
+                <a16:creationId xmlns:a16="http://schemas.microsoft.com/office/drawing/2014/main" id="{F066680A-07C0-EC42-F8AC-CD50A166C15F}"/>
               </a:ext>
             </a:extLst>
           </p:cNvPr>
@@ -6318,12 +6643,619 @@
             <p:ph type="title"/>
           </p:nvPr>
         </p:nvSpPr>
-        <p:spPr/>
+        <p:spPr>
+          <a:xfrm>
+            <a:off x="335360" y="145499"/>
+            <a:ext cx="7406613" cy="369524"/>
+          </a:xfrm>
+        </p:spPr>
         <p:txBody>
           <a:bodyPr/>
           <a:lstStyle/>
           <a:p>
+            <a:r>
+              <a:rPr lang="en-US" dirty="0"/>
+              <a:t>GAUSSIAN FILTER KERNEL</a:t>
+            </a:r>
+          </a:p>
+        </p:txBody>
+      </p:sp>
+      <p:sp>
+        <p:nvSpPr>
+          <p:cNvPr id="7" name="Oval 6">
+            <a:extLst>
+              <a:ext uri="{FF2B5EF4-FFF2-40B4-BE49-F238E27FC236}">
+                <a16:creationId xmlns:a16="http://schemas.microsoft.com/office/drawing/2014/main" id="{B8AC9A20-2EE7-AE0C-ACD3-051D43DAE366}"/>
+              </a:ext>
+            </a:extLst>
+          </p:cNvPr>
+          <p:cNvSpPr/>
+          <p:nvPr/>
+        </p:nvSpPr>
+        <p:spPr>
+          <a:xfrm>
+            <a:off x="7841680" y="2602523"/>
+            <a:ext cx="753627" cy="512466"/>
+          </a:xfrm>
+          <a:prstGeom prst="ellipse">
+            <a:avLst/>
+          </a:prstGeom>
+          <a:noFill/>
+          <a:ln w="9525" cap="flat" cmpd="sng" algn="ctr">
+            <a:solidFill>
+              <a:schemeClr val="accent2"/>
+            </a:solidFill>
+            <a:prstDash val="solid"/>
+            <a:round/>
+            <a:headEnd type="none" w="med" len="med"/>
+            <a:tailEnd type="none" w="med" len="med"/>
+          </a:ln>
+        </p:spPr>
+        <p:style>
+          <a:lnRef idx="0">
+            <a:scrgbClr r="0" g="0" b="0"/>
+          </a:lnRef>
+          <a:fillRef idx="0">
+            <a:scrgbClr r="0" g="0" b="0"/>
+          </a:fillRef>
+          <a:effectRef idx="0">
+            <a:scrgbClr r="0" g="0" b="0"/>
+          </a:effectRef>
+          <a:fontRef idx="minor">
+            <a:schemeClr val="accent2"/>
+          </a:fontRef>
+        </p:style>
+        <p:txBody>
+          <a:bodyPr rtlCol="0" anchor="ctr"/>
+          <a:lstStyle/>
+          <a:p>
+            <a:pPr algn="ctr"/>
             <a:endParaRPr lang="en-US"/>
+          </a:p>
+        </p:txBody>
+      </p:sp>
+      <p:cxnSp>
+        <p:nvCxnSpPr>
+          <p:cNvPr id="9" name="Straight Connector 8">
+            <a:extLst>
+              <a:ext uri="{FF2B5EF4-FFF2-40B4-BE49-F238E27FC236}">
+                <a16:creationId xmlns:a16="http://schemas.microsoft.com/office/drawing/2014/main" id="{4FCCC254-550F-3582-2594-8F6C671128E7}"/>
+              </a:ext>
+            </a:extLst>
+          </p:cNvPr>
+          <p:cNvCxnSpPr/>
+          <p:nvPr/>
+        </p:nvCxnSpPr>
+        <p:spPr>
+          <a:xfrm flipV="1">
+            <a:off x="8193373" y="2069960"/>
+            <a:ext cx="291402" cy="532563"/>
+          </a:xfrm>
+          <a:prstGeom prst="line">
+            <a:avLst/>
+          </a:prstGeom>
+        </p:spPr>
+        <p:style>
+          <a:lnRef idx="1">
+            <a:schemeClr val="accent2"/>
+          </a:lnRef>
+          <a:fillRef idx="0">
+            <a:schemeClr val="accent2"/>
+          </a:fillRef>
+          <a:effectRef idx="0">
+            <a:schemeClr val="accent2"/>
+          </a:effectRef>
+          <a:fontRef idx="minor">
+            <a:schemeClr val="tx1"/>
+          </a:fontRef>
+        </p:style>
+      </p:cxnSp>
+      <p:cxnSp>
+        <p:nvCxnSpPr>
+          <p:cNvPr id="11" name="Straight Connector 10">
+            <a:extLst>
+              <a:ext uri="{FF2B5EF4-FFF2-40B4-BE49-F238E27FC236}">
+                <a16:creationId xmlns:a16="http://schemas.microsoft.com/office/drawing/2014/main" id="{7EA36234-9320-ED8B-E534-0D45B8188257}"/>
+              </a:ext>
+            </a:extLst>
+          </p:cNvPr>
+          <p:cNvCxnSpPr>
+            <a:cxnSpLocks/>
+          </p:cNvCxnSpPr>
+          <p:nvPr/>
+        </p:nvCxnSpPr>
+        <p:spPr>
+          <a:xfrm>
+            <a:off x="8484775" y="2069960"/>
+            <a:ext cx="361740" cy="0"/>
+          </a:xfrm>
+          <a:prstGeom prst="line">
+            <a:avLst/>
+          </a:prstGeom>
+        </p:spPr>
+        <p:style>
+          <a:lnRef idx="1">
+            <a:schemeClr val="accent2"/>
+          </a:lnRef>
+          <a:fillRef idx="0">
+            <a:schemeClr val="accent2"/>
+          </a:fillRef>
+          <a:effectRef idx="0">
+            <a:schemeClr val="accent2"/>
+          </a:effectRef>
+          <a:fontRef idx="minor">
+            <a:schemeClr val="tx1"/>
+          </a:fontRef>
+        </p:style>
+      </p:cxnSp>
+      <p:pic>
+        <p:nvPicPr>
+          <p:cNvPr id="13" name="Picture 12">
+            <a:extLst>
+              <a:ext uri="{FF2B5EF4-FFF2-40B4-BE49-F238E27FC236}">
+                <a16:creationId xmlns:a16="http://schemas.microsoft.com/office/drawing/2014/main" id="{3544DA78-5709-DE03-8526-11E9888F27ED}"/>
+              </a:ext>
+            </a:extLst>
+          </p:cNvPr>
+          <p:cNvPicPr>
+            <a:picLocks noChangeAspect="1"/>
+          </p:cNvPicPr>
+          <p:nvPr/>
+        </p:nvPicPr>
+        <p:blipFill>
+          <a:blip r:embed="rId4"/>
+          <a:stretch>
+            <a:fillRect/>
+          </a:stretch>
+        </p:blipFill>
+        <p:spPr>
+          <a:xfrm>
+            <a:off x="8978820" y="1774188"/>
+            <a:ext cx="733527" cy="562053"/>
+          </a:xfrm>
+          <a:prstGeom prst="rect">
+            <a:avLst/>
+          </a:prstGeom>
+        </p:spPr>
+      </p:pic>
+      <p:sp>
+        <p:nvSpPr>
+          <p:cNvPr id="14" name="Tiêu đề 1">
+            <a:extLst>
+              <a:ext uri="{FF2B5EF4-FFF2-40B4-BE49-F238E27FC236}">
+                <a16:creationId xmlns:a16="http://schemas.microsoft.com/office/drawing/2014/main" id="{BB3A506D-5D45-540C-7FFB-BCBA24308530}"/>
+              </a:ext>
+            </a:extLst>
+          </p:cNvPr>
+          <p:cNvSpPr txBox="1">
+            <a:spLocks/>
+          </p:cNvSpPr>
+          <p:nvPr/>
+        </p:nvSpPr>
+        <p:spPr>
+          <a:xfrm>
+            <a:off x="9721622" y="1870452"/>
+            <a:ext cx="2248705" cy="369524"/>
+          </a:xfrm>
+          <a:prstGeom prst="rect">
+            <a:avLst/>
+          </a:prstGeom>
+        </p:spPr>
+        <p:txBody>
+          <a:bodyPr vert="horz" lIns="91440" tIns="45720" rIns="91440" bIns="45720" rtlCol="0" anchor="ctr">
+            <a:noAutofit/>
+          </a:bodyPr>
+          <a:lstStyle>
+            <a:lvl1pPr algn="l" defTabSz="1219200" rtl="0" eaLnBrk="1" latinLnBrk="1" hangingPunct="1">
+              <a:spcBef>
+                <a:spcPct val="0"/>
+              </a:spcBef>
+              <a:buNone/>
+              <a:defRPr sz="2665" b="1" kern="1200">
+                <a:solidFill>
+                  <a:schemeClr val="tx1"/>
+                </a:solidFill>
+                <a:latin typeface="+mj-lt"/>
+                <a:ea typeface="+mj-ea"/>
+                <a:cs typeface="+mj-cs"/>
+              </a:defRPr>
+            </a:lvl1pPr>
+          </a:lstStyle>
+          <a:p>
+            <a:r>
+              <a:rPr lang="en-US" sz="1800" b="0" dirty="0">
+                <a:latin typeface="Times New Roman" panose="02020603050405020304" pitchFamily="18" charset="0"/>
+                <a:cs typeface="Times New Roman" panose="02020603050405020304" pitchFamily="18" charset="0"/>
+              </a:rPr>
+              <a:t>With s = -1 and t = -1</a:t>
+            </a:r>
+          </a:p>
+        </p:txBody>
+      </p:sp>
+      <p:cxnSp>
+        <p:nvCxnSpPr>
+          <p:cNvPr id="18" name="Straight Arrow Connector 17">
+            <a:extLst>
+              <a:ext uri="{FF2B5EF4-FFF2-40B4-BE49-F238E27FC236}">
+                <a16:creationId xmlns:a16="http://schemas.microsoft.com/office/drawing/2014/main" id="{406CB1E4-DCF5-BFE0-2C22-A5953325F7F9}"/>
+              </a:ext>
+            </a:extLst>
+          </p:cNvPr>
+          <p:cNvCxnSpPr>
+            <a:cxnSpLocks/>
+          </p:cNvCxnSpPr>
+          <p:nvPr/>
+        </p:nvCxnSpPr>
+        <p:spPr>
+          <a:xfrm>
+            <a:off x="6446500" y="2982191"/>
+            <a:ext cx="505018" cy="561109"/>
+          </a:xfrm>
+          <a:prstGeom prst="straightConnector1">
+            <a:avLst/>
+          </a:prstGeom>
+          <a:ln>
+            <a:tailEnd type="triangle"/>
+          </a:ln>
+        </p:spPr>
+        <p:style>
+          <a:lnRef idx="1">
+            <a:schemeClr val="accent1"/>
+          </a:lnRef>
+          <a:fillRef idx="0">
+            <a:schemeClr val="accent1"/>
+          </a:fillRef>
+          <a:effectRef idx="0">
+            <a:schemeClr val="accent1"/>
+          </a:effectRef>
+          <a:fontRef idx="minor">
+            <a:schemeClr val="tx1"/>
+          </a:fontRef>
+        </p:style>
+      </p:cxnSp>
+      <p:pic>
+        <p:nvPicPr>
+          <p:cNvPr id="22" name="Hình ảnh 29">
+            <a:extLst>
+              <a:ext uri="{FF2B5EF4-FFF2-40B4-BE49-F238E27FC236}">
+                <a16:creationId xmlns:a16="http://schemas.microsoft.com/office/drawing/2014/main" id="{5246CA25-C631-3EA7-6B8D-63F8394F89BC}"/>
+              </a:ext>
+            </a:extLst>
+          </p:cNvPr>
+          <p:cNvPicPr>
+            <a:picLocks noChangeAspect="1"/>
+          </p:cNvPicPr>
+          <p:nvPr/>
+        </p:nvPicPr>
+        <p:blipFill>
+          <a:blip r:embed="rId5"/>
+          <a:stretch>
+            <a:fillRect/>
+          </a:stretch>
+        </p:blipFill>
+        <p:spPr>
+          <a:xfrm>
+            <a:off x="5527209" y="1069240"/>
+            <a:ext cx="1838582" cy="704948"/>
+          </a:xfrm>
+          <a:prstGeom prst="rect">
+            <a:avLst/>
+          </a:prstGeom>
+        </p:spPr>
+      </p:pic>
+      <p:sp>
+        <p:nvSpPr>
+          <p:cNvPr id="26" name="Tiêu đề 1">
+            <a:extLst>
+              <a:ext uri="{FF2B5EF4-FFF2-40B4-BE49-F238E27FC236}">
+                <a16:creationId xmlns:a16="http://schemas.microsoft.com/office/drawing/2014/main" id="{4AAF9204-CF9B-2A03-4C79-5DC451971FFD}"/>
+              </a:ext>
+            </a:extLst>
+          </p:cNvPr>
+          <p:cNvSpPr txBox="1">
+            <a:spLocks/>
+          </p:cNvSpPr>
+          <p:nvPr/>
+        </p:nvSpPr>
+        <p:spPr>
+          <a:xfrm>
+            <a:off x="5331197" y="2612667"/>
+            <a:ext cx="2230606" cy="369524"/>
+          </a:xfrm>
+          <a:prstGeom prst="rect">
+            <a:avLst/>
+          </a:prstGeom>
+        </p:spPr>
+        <p:txBody>
+          <a:bodyPr vert="horz" lIns="91440" tIns="45720" rIns="91440" bIns="45720" rtlCol="0" anchor="ctr">
+            <a:noAutofit/>
+          </a:bodyPr>
+          <a:lstStyle>
+            <a:lvl1pPr algn="l" defTabSz="1219200" rtl="0" eaLnBrk="1" latinLnBrk="1" hangingPunct="1">
+              <a:spcBef>
+                <a:spcPct val="0"/>
+              </a:spcBef>
+              <a:buNone/>
+              <a:defRPr sz="2665" b="1" kern="1200">
+                <a:solidFill>
+                  <a:schemeClr val="tx1"/>
+                </a:solidFill>
+                <a:latin typeface="+mj-lt"/>
+                <a:ea typeface="+mj-ea"/>
+                <a:cs typeface="+mj-cs"/>
+              </a:defRPr>
+            </a:lvl1pPr>
+          </a:lstStyle>
+          <a:p>
+            <a:pPr algn="ctr"/>
+            <a:r>
+              <a:rPr lang="en-US" sz="1800" b="0" dirty="0">
+                <a:latin typeface="Times New Roman" panose="02020603050405020304" pitchFamily="18" charset="0"/>
+                <a:cs typeface="Times New Roman" panose="02020603050405020304" pitchFamily="18" charset="0"/>
+              </a:rPr>
+              <a:t>Constant K</a:t>
+            </a:r>
+          </a:p>
+        </p:txBody>
+      </p:sp>
+      <p:sp>
+        <p:nvSpPr>
+          <p:cNvPr id="27" name="Rectangle 26">
+            <a:extLst>
+              <a:ext uri="{FF2B5EF4-FFF2-40B4-BE49-F238E27FC236}">
+                <a16:creationId xmlns:a16="http://schemas.microsoft.com/office/drawing/2014/main" id="{320AC671-7047-F8FD-5C97-3DDFE650C8E0}"/>
+              </a:ext>
+            </a:extLst>
+          </p:cNvPr>
+          <p:cNvSpPr/>
+          <p:nvPr/>
+        </p:nvSpPr>
+        <p:spPr>
+          <a:xfrm>
+            <a:off x="6841331" y="3721895"/>
+            <a:ext cx="692944" cy="227108"/>
+          </a:xfrm>
+          <a:prstGeom prst="rect">
+            <a:avLst/>
+          </a:prstGeom>
+          <a:noFill/>
+          <a:ln w="9525" cap="flat" cmpd="sng" algn="ctr">
+            <a:solidFill>
+              <a:schemeClr val="accent1"/>
+            </a:solidFill>
+            <a:prstDash val="solid"/>
+            <a:round/>
+            <a:headEnd type="none" w="med" len="med"/>
+            <a:tailEnd type="none" w="med" len="med"/>
+          </a:ln>
+        </p:spPr>
+        <p:style>
+          <a:lnRef idx="0">
+            <a:scrgbClr r="0" g="0" b="0"/>
+          </a:lnRef>
+          <a:fillRef idx="0">
+            <a:scrgbClr r="0" g="0" b="0"/>
+          </a:fillRef>
+          <a:effectRef idx="0">
+            <a:scrgbClr r="0" g="0" b="0"/>
+          </a:effectRef>
+          <a:fontRef idx="minor">
+            <a:schemeClr val="accent1"/>
+          </a:fontRef>
+        </p:style>
+        <p:txBody>
+          <a:bodyPr rtlCol="0" anchor="ctr"/>
+          <a:lstStyle/>
+          <a:p>
+            <a:pPr algn="ctr"/>
+            <a:endParaRPr lang="en-US"/>
+          </a:p>
+        </p:txBody>
+      </p:sp>
+      <p:sp>
+        <p:nvSpPr>
+          <p:cNvPr id="28" name="Tiêu đề 1">
+            <a:extLst>
+              <a:ext uri="{FF2B5EF4-FFF2-40B4-BE49-F238E27FC236}">
+                <a16:creationId xmlns:a16="http://schemas.microsoft.com/office/drawing/2014/main" id="{F7FF35BF-788B-449A-9E54-2C3417D5328D}"/>
+              </a:ext>
+            </a:extLst>
+          </p:cNvPr>
+          <p:cNvSpPr txBox="1">
+            <a:spLocks/>
+          </p:cNvSpPr>
+          <p:nvPr/>
+        </p:nvSpPr>
+        <p:spPr>
+          <a:xfrm>
+            <a:off x="7841680" y="5260603"/>
+            <a:ext cx="3902928" cy="369524"/>
+          </a:xfrm>
+          <a:prstGeom prst="rect">
+            <a:avLst/>
+          </a:prstGeom>
+        </p:spPr>
+        <p:txBody>
+          <a:bodyPr vert="horz" lIns="91440" tIns="45720" rIns="91440" bIns="45720" rtlCol="0" anchor="ctr">
+            <a:noAutofit/>
+          </a:bodyPr>
+          <a:lstStyle>
+            <a:lvl1pPr algn="l" defTabSz="1219200" rtl="0" eaLnBrk="1" latinLnBrk="1" hangingPunct="1">
+              <a:spcBef>
+                <a:spcPct val="0"/>
+              </a:spcBef>
+              <a:buNone/>
+              <a:defRPr sz="2665" b="1" kern="1200">
+                <a:solidFill>
+                  <a:schemeClr val="tx1"/>
+                </a:solidFill>
+                <a:latin typeface="+mj-lt"/>
+                <a:ea typeface="+mj-ea"/>
+                <a:cs typeface="+mj-cs"/>
+              </a:defRPr>
+            </a:lvl1pPr>
+          </a:lstStyle>
+          <a:p>
+            <a:pPr algn="ctr"/>
+            <a:r>
+              <a:rPr lang="en-US" sz="1800" b="0" dirty="0">
+                <a:latin typeface="Times New Roman" panose="02020603050405020304" pitchFamily="18" charset="0"/>
+                <a:cs typeface="Times New Roman" panose="02020603050405020304" pitchFamily="18" charset="0"/>
+              </a:rPr>
+              <a:t>Sum of the value of the coefficients</a:t>
+            </a:r>
+          </a:p>
+        </p:txBody>
+      </p:sp>
+      <p:cxnSp>
+        <p:nvCxnSpPr>
+          <p:cNvPr id="32" name="Straight Arrow Connector 31">
+            <a:extLst>
+              <a:ext uri="{FF2B5EF4-FFF2-40B4-BE49-F238E27FC236}">
+                <a16:creationId xmlns:a16="http://schemas.microsoft.com/office/drawing/2014/main" id="{DFCCB5C2-0519-9755-0AEA-B7CB7A3F2227}"/>
+              </a:ext>
+            </a:extLst>
+          </p:cNvPr>
+          <p:cNvCxnSpPr>
+            <a:cxnSpLocks/>
+          </p:cNvCxnSpPr>
+          <p:nvPr/>
+        </p:nvCxnSpPr>
+        <p:spPr>
+          <a:xfrm flipH="1" flipV="1">
+            <a:off x="7187803" y="4035562"/>
+            <a:ext cx="346472" cy="1409803"/>
+          </a:xfrm>
+          <a:prstGeom prst="straightConnector1">
+            <a:avLst/>
+          </a:prstGeom>
+          <a:ln>
+            <a:tailEnd type="triangle"/>
+          </a:ln>
+        </p:spPr>
+        <p:style>
+          <a:lnRef idx="1">
+            <a:schemeClr val="accent1"/>
+          </a:lnRef>
+          <a:fillRef idx="0">
+            <a:schemeClr val="accent1"/>
+          </a:fillRef>
+          <a:effectRef idx="0">
+            <a:schemeClr val="accent1"/>
+          </a:effectRef>
+          <a:fontRef idx="minor">
+            <a:schemeClr val="tx1"/>
+          </a:fontRef>
+        </p:style>
+      </p:cxnSp>
+      <p:cxnSp>
+        <p:nvCxnSpPr>
+          <p:cNvPr id="39" name="Straight Connector 38">
+            <a:extLst>
+              <a:ext uri="{FF2B5EF4-FFF2-40B4-BE49-F238E27FC236}">
+                <a16:creationId xmlns:a16="http://schemas.microsoft.com/office/drawing/2014/main" id="{004DDBB0-20F0-004E-D9B2-BAA5CD866F3C}"/>
+              </a:ext>
+            </a:extLst>
+          </p:cNvPr>
+          <p:cNvCxnSpPr/>
+          <p:nvPr/>
+        </p:nvCxnSpPr>
+        <p:spPr>
+          <a:xfrm>
+            <a:off x="7534275" y="5445365"/>
+            <a:ext cx="307405" cy="0"/>
+          </a:xfrm>
+          <a:prstGeom prst="line">
+            <a:avLst/>
+          </a:prstGeom>
+        </p:spPr>
+        <p:style>
+          <a:lnRef idx="1">
+            <a:schemeClr val="accent1"/>
+          </a:lnRef>
+          <a:fillRef idx="0">
+            <a:schemeClr val="accent1"/>
+          </a:fillRef>
+          <a:effectRef idx="0">
+            <a:schemeClr val="accent1"/>
+          </a:effectRef>
+          <a:fontRef idx="minor">
+            <a:schemeClr val="tx1"/>
+          </a:fontRef>
+        </p:style>
+      </p:cxnSp>
+      <p:sp>
+        <p:nvSpPr>
+          <p:cNvPr id="40" name="Tiêu đề 1">
+            <a:extLst>
+              <a:ext uri="{FF2B5EF4-FFF2-40B4-BE49-F238E27FC236}">
+                <a16:creationId xmlns:a16="http://schemas.microsoft.com/office/drawing/2014/main" id="{102CA741-8725-380E-8A4F-31B92E2679D7}"/>
+              </a:ext>
+            </a:extLst>
+          </p:cNvPr>
+          <p:cNvSpPr txBox="1">
+            <a:spLocks/>
+          </p:cNvSpPr>
+          <p:nvPr/>
+        </p:nvSpPr>
+        <p:spPr>
+          <a:xfrm>
+            <a:off x="1833586" y="5274876"/>
+            <a:ext cx="3902928" cy="369524"/>
+          </a:xfrm>
+          <a:prstGeom prst="rect">
+            <a:avLst/>
+          </a:prstGeom>
+        </p:spPr>
+        <p:txBody>
+          <a:bodyPr vert="horz" lIns="91440" tIns="45720" rIns="91440" bIns="45720" rtlCol="0" anchor="ctr">
+            <a:noAutofit/>
+          </a:bodyPr>
+          <a:lstStyle>
+            <a:lvl1pPr algn="l" defTabSz="1219200" rtl="0" eaLnBrk="1" latinLnBrk="1" hangingPunct="1">
+              <a:spcBef>
+                <a:spcPct val="0"/>
+              </a:spcBef>
+              <a:buNone/>
+              <a:defRPr sz="2665" b="1" kern="1200">
+                <a:solidFill>
+                  <a:schemeClr val="tx1"/>
+                </a:solidFill>
+                <a:latin typeface="+mj-lt"/>
+                <a:ea typeface="+mj-ea"/>
+                <a:cs typeface="+mj-cs"/>
+              </a:defRPr>
+            </a:lvl1pPr>
+          </a:lstStyle>
+          <a:p>
+            <a:pPr algn="ctr"/>
+            <a:r>
+              <a:rPr lang="en-US" sz="1800" b="0" dirty="0">
+                <a:solidFill>
+                  <a:srgbClr val="016E9F"/>
+                </a:solidFill>
+                <a:latin typeface="TimesTen-Roman"/>
+              </a:rPr>
+              <a:t>B</a:t>
+            </a:r>
+            <a:r>
+              <a:rPr lang="en-US" sz="1800" b="0" i="0" dirty="0">
+                <a:solidFill>
+                  <a:srgbClr val="016E9F"/>
+                </a:solidFill>
+                <a:effectLst/>
+                <a:latin typeface="TimesTen-Roman"/>
+              </a:rPr>
+              <a:t>ell shape of the Gaussian function</a:t>
+            </a:r>
+            <a:r>
+              <a:rPr lang="en-US" sz="1200" dirty="0"/>
+              <a:t> </a:t>
+            </a:r>
+            <a:endParaRPr lang="en-US" sz="1800" b="0" dirty="0">
+              <a:latin typeface="Times New Roman" panose="02020603050405020304" pitchFamily="18" charset="0"/>
+              <a:cs typeface="Times New Roman" panose="02020603050405020304" pitchFamily="18" charset="0"/>
+            </a:endParaRPr>
           </a:p>
         </p:txBody>
       </p:sp>
@@ -6341,6 +7273,619 @@
 </file>
 
 <file path=ppt/slides/slide13.xml><?xml version="1.0" encoding="utf-8"?>
+<p:sld xmlns:a="http://schemas.openxmlformats.org/drawingml/2006/main" xmlns:r="http://schemas.openxmlformats.org/officeDocument/2006/relationships" xmlns:p="http://schemas.openxmlformats.org/presentationml/2006/main">
+  <p:cSld>
+    <p:spTree>
+      <p:nvGrpSpPr>
+        <p:cNvPr id="1" name=""/>
+        <p:cNvGrpSpPr/>
+        <p:nvPr/>
+      </p:nvGrpSpPr>
+      <p:grpSpPr>
+        <a:xfrm>
+          <a:off x="0" y="0"/>
+          <a:ext cx="0" cy="0"/>
+          <a:chOff x="0" y="0"/>
+          <a:chExt cx="0" cy="0"/>
+        </a:xfrm>
+      </p:grpSpPr>
+      <p:sp>
+        <p:nvSpPr>
+          <p:cNvPr id="2" name="Tiêu đề 1">
+            <a:extLst>
+              <a:ext uri="{FF2B5EF4-FFF2-40B4-BE49-F238E27FC236}">
+                <a16:creationId xmlns:a16="http://schemas.microsoft.com/office/drawing/2014/main" id="{8C4CEB10-4297-4A04-A2E5-F3DCD5DE2B77}"/>
+              </a:ext>
+            </a:extLst>
+          </p:cNvPr>
+          <p:cNvSpPr>
+            <a:spLocks noGrp="1"/>
+          </p:cNvSpPr>
+          <p:nvPr>
+            <p:ph type="title"/>
+          </p:nvPr>
+        </p:nvSpPr>
+        <p:spPr>
+          <a:xfrm>
+            <a:off x="335360" y="145499"/>
+            <a:ext cx="9056290" cy="369524"/>
+          </a:xfrm>
+        </p:spPr>
+        <p:txBody>
+          <a:bodyPr/>
+          <a:lstStyle/>
+          <a:p>
+            <a:r>
+              <a:rPr lang="en-US" dirty="0"/>
+              <a:t>Comparing the </a:t>
+            </a:r>
+            <a:r>
+              <a:rPr lang="en-US" b="1" dirty="0"/>
+              <a:t>Box kernel</a:t>
+            </a:r>
+            <a:r>
+              <a:rPr lang="en-US" dirty="0"/>
+              <a:t> and the </a:t>
+            </a:r>
+            <a:r>
+              <a:rPr lang="en-US" b="1" dirty="0"/>
+              <a:t>Gaussian kernel</a:t>
+            </a:r>
+            <a:endParaRPr lang="en-US" dirty="0"/>
+          </a:p>
+        </p:txBody>
+      </p:sp>
+      <p:pic>
+        <p:nvPicPr>
+          <p:cNvPr id="7" name="Hình ảnh 6">
+            <a:extLst>
+              <a:ext uri="{FF2B5EF4-FFF2-40B4-BE49-F238E27FC236}">
+                <a16:creationId xmlns:a16="http://schemas.microsoft.com/office/drawing/2014/main" id="{E4C49B15-378B-46AF-9FBD-620802F7F96D}"/>
+              </a:ext>
+            </a:extLst>
+          </p:cNvPr>
+          <p:cNvPicPr>
+            <a:picLocks noChangeAspect="1"/>
+          </p:cNvPicPr>
+          <p:nvPr/>
+        </p:nvPicPr>
+        <p:blipFill>
+          <a:blip r:embed="rId3"/>
+          <a:stretch>
+            <a:fillRect/>
+          </a:stretch>
+        </p:blipFill>
+        <p:spPr>
+          <a:xfrm>
+            <a:off x="538560" y="1812163"/>
+            <a:ext cx="2926000" cy="2933189"/>
+          </a:xfrm>
+          <a:prstGeom prst="rect">
+            <a:avLst/>
+          </a:prstGeom>
+        </p:spPr>
+      </p:pic>
+      <p:pic>
+        <p:nvPicPr>
+          <p:cNvPr id="8" name="Hình ảnh 7">
+            <a:extLst>
+              <a:ext uri="{FF2B5EF4-FFF2-40B4-BE49-F238E27FC236}">
+                <a16:creationId xmlns:a16="http://schemas.microsoft.com/office/drawing/2014/main" id="{45CA600E-32E1-4157-B7A4-3F0794DE7890}"/>
+              </a:ext>
+            </a:extLst>
+          </p:cNvPr>
+          <p:cNvPicPr>
+            <a:picLocks noChangeAspect="1"/>
+          </p:cNvPicPr>
+          <p:nvPr/>
+        </p:nvPicPr>
+        <p:blipFill>
+          <a:blip r:embed="rId4"/>
+          <a:stretch>
+            <a:fillRect/>
+          </a:stretch>
+        </p:blipFill>
+        <p:spPr>
+          <a:xfrm>
+            <a:off x="4622233" y="1812162"/>
+            <a:ext cx="2947533" cy="2933190"/>
+          </a:xfrm>
+          <a:prstGeom prst="rect">
+            <a:avLst/>
+          </a:prstGeom>
+        </p:spPr>
+      </p:pic>
+      <p:pic>
+        <p:nvPicPr>
+          <p:cNvPr id="9" name="Hình ảnh 8">
+            <a:extLst>
+              <a:ext uri="{FF2B5EF4-FFF2-40B4-BE49-F238E27FC236}">
+                <a16:creationId xmlns:a16="http://schemas.microsoft.com/office/drawing/2014/main" id="{5A3ED54E-8034-469A-9069-116EADC06297}"/>
+              </a:ext>
+            </a:extLst>
+          </p:cNvPr>
+          <p:cNvPicPr>
+            <a:picLocks noChangeAspect="1"/>
+          </p:cNvPicPr>
+          <p:nvPr/>
+        </p:nvPicPr>
+        <p:blipFill>
+          <a:blip r:embed="rId5"/>
+          <a:stretch>
+            <a:fillRect/>
+          </a:stretch>
+        </p:blipFill>
+        <p:spPr>
+          <a:xfrm>
+            <a:off x="8561659" y="1812162"/>
+            <a:ext cx="2945887" cy="2933190"/>
+          </a:xfrm>
+          <a:prstGeom prst="rect">
+            <a:avLst/>
+          </a:prstGeom>
+        </p:spPr>
+      </p:pic>
+      <p:sp>
+        <p:nvSpPr>
+          <p:cNvPr id="3" name="TextBox 2">
+            <a:extLst>
+              <a:ext uri="{FF2B5EF4-FFF2-40B4-BE49-F238E27FC236}">
+                <a16:creationId xmlns:a16="http://schemas.microsoft.com/office/drawing/2014/main" id="{B96732CD-D37A-5DAA-D9ED-3A5F204A0586}"/>
+              </a:ext>
+            </a:extLst>
+          </p:cNvPr>
+          <p:cNvSpPr txBox="1"/>
+          <p:nvPr/>
+        </p:nvSpPr>
+        <p:spPr>
+          <a:xfrm>
+            <a:off x="1213524" y="4745352"/>
+            <a:ext cx="1576072" cy="369332"/>
+          </a:xfrm>
+          <a:prstGeom prst="rect">
+            <a:avLst/>
+          </a:prstGeom>
+          <a:noFill/>
+        </p:spPr>
+        <p:txBody>
+          <a:bodyPr wrap="none" rtlCol="0">
+            <a:spAutoFit/>
+          </a:bodyPr>
+          <a:lstStyle/>
+          <a:p>
+            <a:r>
+              <a:rPr lang="en-US" dirty="0">
+                <a:latin typeface="Times New Roman" panose="02020603050405020304" pitchFamily="18" charset="0"/>
+                <a:cs typeface="Times New Roman" panose="02020603050405020304" pitchFamily="18" charset="0"/>
+              </a:rPr>
+              <a:t>Original image</a:t>
+            </a:r>
+          </a:p>
+        </p:txBody>
+      </p:sp>
+      <p:sp>
+        <p:nvSpPr>
+          <p:cNvPr id="4" name="TextBox 3">
+            <a:extLst>
+              <a:ext uri="{FF2B5EF4-FFF2-40B4-BE49-F238E27FC236}">
+                <a16:creationId xmlns:a16="http://schemas.microsoft.com/office/drawing/2014/main" id="{653904A9-211A-2C08-06A4-58DE048CC17D}"/>
+              </a:ext>
+            </a:extLst>
+          </p:cNvPr>
+          <p:cNvSpPr txBox="1"/>
+          <p:nvPr/>
+        </p:nvSpPr>
+        <p:spPr>
+          <a:xfrm>
+            <a:off x="5307963" y="4745352"/>
+            <a:ext cx="1838965" cy="369332"/>
+          </a:xfrm>
+          <a:prstGeom prst="rect">
+            <a:avLst/>
+          </a:prstGeom>
+          <a:noFill/>
+        </p:spPr>
+        <p:txBody>
+          <a:bodyPr wrap="none" rtlCol="0">
+            <a:spAutoFit/>
+          </a:bodyPr>
+          <a:lstStyle/>
+          <a:p>
+            <a:r>
+              <a:rPr lang="en-US" dirty="0">
+                <a:latin typeface="Times New Roman" panose="02020603050405020304" pitchFamily="18" charset="0"/>
+                <a:cs typeface="Times New Roman" panose="02020603050405020304" pitchFamily="18" charset="0"/>
+              </a:rPr>
+              <a:t>Box kernel 21x21</a:t>
+            </a:r>
+          </a:p>
+        </p:txBody>
+      </p:sp>
+      <p:sp>
+        <p:nvSpPr>
+          <p:cNvPr id="5" name="TextBox 4">
+            <a:extLst>
+              <a:ext uri="{FF2B5EF4-FFF2-40B4-BE49-F238E27FC236}">
+                <a16:creationId xmlns:a16="http://schemas.microsoft.com/office/drawing/2014/main" id="{B883A162-68B8-F10B-360D-27C259DCDEC2}"/>
+              </a:ext>
+            </a:extLst>
+          </p:cNvPr>
+          <p:cNvSpPr txBox="1"/>
+          <p:nvPr/>
+        </p:nvSpPr>
+        <p:spPr>
+          <a:xfrm>
+            <a:off x="8884287" y="4745352"/>
+            <a:ext cx="2300630" cy="369332"/>
+          </a:xfrm>
+          <a:prstGeom prst="rect">
+            <a:avLst/>
+          </a:prstGeom>
+          <a:noFill/>
+        </p:spPr>
+        <p:txBody>
+          <a:bodyPr wrap="none" rtlCol="0">
+            <a:spAutoFit/>
+          </a:bodyPr>
+          <a:lstStyle/>
+          <a:p>
+            <a:r>
+              <a:rPr lang="en-US" dirty="0">
+                <a:latin typeface="Times New Roman" panose="02020603050405020304" pitchFamily="18" charset="0"/>
+                <a:cs typeface="Times New Roman" panose="02020603050405020304" pitchFamily="18" charset="0"/>
+              </a:rPr>
+              <a:t>Gaussian kernel 21x21</a:t>
+            </a:r>
+          </a:p>
+        </p:txBody>
+      </p:sp>
+      <p:pic>
+        <p:nvPicPr>
+          <p:cNvPr id="10" name="Picture 9">
+            <a:extLst>
+              <a:ext uri="{FF2B5EF4-FFF2-40B4-BE49-F238E27FC236}">
+                <a16:creationId xmlns:a16="http://schemas.microsoft.com/office/drawing/2014/main" id="{98B5E584-BACD-DC56-4793-B651DAEDC29F}"/>
+              </a:ext>
+            </a:extLst>
+          </p:cNvPr>
+          <p:cNvPicPr>
+            <a:picLocks noChangeAspect="1"/>
+          </p:cNvPicPr>
+          <p:nvPr/>
+        </p:nvPicPr>
+        <p:blipFill>
+          <a:blip r:embed="rId6"/>
+          <a:stretch>
+            <a:fillRect/>
+          </a:stretch>
+        </p:blipFill>
+        <p:spPr>
+          <a:xfrm>
+            <a:off x="8561659" y="1812162"/>
+            <a:ext cx="2945886" cy="2952951"/>
+          </a:xfrm>
+          <a:prstGeom prst="rect">
+            <a:avLst/>
+          </a:prstGeom>
+        </p:spPr>
+      </p:pic>
+      <p:sp>
+        <p:nvSpPr>
+          <p:cNvPr id="11" name="TextBox 10">
+            <a:extLst>
+              <a:ext uri="{FF2B5EF4-FFF2-40B4-BE49-F238E27FC236}">
+                <a16:creationId xmlns:a16="http://schemas.microsoft.com/office/drawing/2014/main" id="{44ED633D-94C7-42BC-1644-2AE47256287F}"/>
+              </a:ext>
+            </a:extLst>
+          </p:cNvPr>
+          <p:cNvSpPr txBox="1"/>
+          <p:nvPr/>
+        </p:nvSpPr>
+        <p:spPr>
+          <a:xfrm>
+            <a:off x="8884287" y="4765113"/>
+            <a:ext cx="2300630" cy="369332"/>
+          </a:xfrm>
+          <a:prstGeom prst="rect">
+            <a:avLst/>
+          </a:prstGeom>
+          <a:noFill/>
+        </p:spPr>
+        <p:txBody>
+          <a:bodyPr wrap="none" rtlCol="0">
+            <a:spAutoFit/>
+          </a:bodyPr>
+          <a:lstStyle/>
+          <a:p>
+            <a:r>
+              <a:rPr lang="en-US" dirty="0">
+                <a:latin typeface="Times New Roman" panose="02020603050405020304" pitchFamily="18" charset="0"/>
+                <a:cs typeface="Times New Roman" panose="02020603050405020304" pitchFamily="18" charset="0"/>
+              </a:rPr>
+              <a:t>Gaussian kernel 43x43</a:t>
+            </a:r>
+          </a:p>
+        </p:txBody>
+      </p:sp>
+      <p:sp>
+        <p:nvSpPr>
+          <p:cNvPr id="12" name="Oval 11">
+            <a:extLst>
+              <a:ext uri="{FF2B5EF4-FFF2-40B4-BE49-F238E27FC236}">
+                <a16:creationId xmlns:a16="http://schemas.microsoft.com/office/drawing/2014/main" id="{2A63F421-9A0B-F7A2-BAF6-3AE8DC49C7BB}"/>
+              </a:ext>
+            </a:extLst>
+          </p:cNvPr>
+          <p:cNvSpPr/>
+          <p:nvPr/>
+        </p:nvSpPr>
+        <p:spPr>
+          <a:xfrm>
+            <a:off x="10346755" y="1897673"/>
+            <a:ext cx="511745" cy="512466"/>
+          </a:xfrm>
+          <a:prstGeom prst="ellipse">
+            <a:avLst/>
+          </a:prstGeom>
+          <a:noFill/>
+          <a:ln w="9525" cap="flat" cmpd="sng" algn="ctr">
+            <a:solidFill>
+              <a:schemeClr val="accent2"/>
+            </a:solidFill>
+            <a:prstDash val="solid"/>
+            <a:round/>
+            <a:headEnd type="none" w="med" len="med"/>
+            <a:tailEnd type="none" w="med" len="med"/>
+          </a:ln>
+        </p:spPr>
+        <p:style>
+          <a:lnRef idx="0">
+            <a:scrgbClr r="0" g="0" b="0"/>
+          </a:lnRef>
+          <a:fillRef idx="0">
+            <a:scrgbClr r="0" g="0" b="0"/>
+          </a:fillRef>
+          <a:effectRef idx="0">
+            <a:scrgbClr r="0" g="0" b="0"/>
+          </a:effectRef>
+          <a:fontRef idx="minor">
+            <a:schemeClr val="accent2"/>
+          </a:fontRef>
+        </p:style>
+        <p:txBody>
+          <a:bodyPr rtlCol="0" anchor="ctr"/>
+          <a:lstStyle/>
+          <a:p>
+            <a:pPr algn="ctr"/>
+            <a:endParaRPr lang="en-US"/>
+          </a:p>
+        </p:txBody>
+      </p:sp>
+      <p:sp>
+        <p:nvSpPr>
+          <p:cNvPr id="13" name="Oval 12">
+            <a:extLst>
+              <a:ext uri="{FF2B5EF4-FFF2-40B4-BE49-F238E27FC236}">
+                <a16:creationId xmlns:a16="http://schemas.microsoft.com/office/drawing/2014/main" id="{4F390A69-1517-8D12-7E96-573EF6F7B809}"/>
+              </a:ext>
+            </a:extLst>
+          </p:cNvPr>
+          <p:cNvSpPr/>
+          <p:nvPr/>
+        </p:nvSpPr>
+        <p:spPr>
+          <a:xfrm>
+            <a:off x="6431980" y="1897673"/>
+            <a:ext cx="511745" cy="512466"/>
+          </a:xfrm>
+          <a:prstGeom prst="ellipse">
+            <a:avLst/>
+          </a:prstGeom>
+          <a:noFill/>
+          <a:ln w="9525" cap="flat" cmpd="sng" algn="ctr">
+            <a:solidFill>
+              <a:schemeClr val="accent2"/>
+            </a:solidFill>
+            <a:prstDash val="solid"/>
+            <a:round/>
+            <a:headEnd type="none" w="med" len="med"/>
+            <a:tailEnd type="none" w="med" len="med"/>
+          </a:ln>
+        </p:spPr>
+        <p:style>
+          <a:lnRef idx="0">
+            <a:scrgbClr r="0" g="0" b="0"/>
+          </a:lnRef>
+          <a:fillRef idx="0">
+            <a:scrgbClr r="0" g="0" b="0"/>
+          </a:fillRef>
+          <a:effectRef idx="0">
+            <a:scrgbClr r="0" g="0" b="0"/>
+          </a:effectRef>
+          <a:fontRef idx="minor">
+            <a:schemeClr val="accent2"/>
+          </a:fontRef>
+        </p:style>
+        <p:txBody>
+          <a:bodyPr rtlCol="0" anchor="ctr"/>
+          <a:lstStyle/>
+          <a:p>
+            <a:pPr algn="ctr"/>
+            <a:endParaRPr lang="en-US"/>
+          </a:p>
+        </p:txBody>
+      </p:sp>
+    </p:spTree>
+    <p:extLst>
+      <p:ext uri="{BB962C8B-B14F-4D97-AF65-F5344CB8AC3E}">
+        <p14:creationId xmlns:p14="http://schemas.microsoft.com/office/powerpoint/2010/main" val="2052477317"/>
+      </p:ext>
+    </p:extLst>
+  </p:cSld>
+  <p:clrMapOvr>
+    <a:masterClrMapping/>
+  </p:clrMapOvr>
+  <p:timing>
+    <p:tnLst>
+      <p:par>
+        <p:cTn id="1" dur="indefinite" restart="never" nodeType="tmRoot">
+          <p:childTnLst>
+            <p:seq concurrent="1" nextAc="seek">
+              <p:cTn id="2" dur="indefinite" nodeType="mainSeq">
+                <p:childTnLst>
+                  <p:par>
+                    <p:cTn id="3" fill="hold">
+                      <p:stCondLst>
+                        <p:cond delay="indefinite"/>
+                      </p:stCondLst>
+                      <p:childTnLst>
+                        <p:par>
+                          <p:cTn id="4" fill="hold">
+                            <p:stCondLst>
+                              <p:cond delay="0"/>
+                            </p:stCondLst>
+                            <p:childTnLst>
+                              <p:par>
+                                <p:cTn id="5" presetID="10" presetClass="exit" presetSubtype="0" fill="hold" grpId="0" nodeType="clickEffect">
+                                  <p:stCondLst>
+                                    <p:cond delay="0"/>
+                                  </p:stCondLst>
+                                  <p:childTnLst>
+                                    <p:animEffect transition="out" filter="fade">
+                                      <p:cBhvr>
+                                        <p:cTn id="6" dur="500"/>
+                                        <p:tgtEl>
+                                          <p:spTgt spid="5"/>
+                                        </p:tgtEl>
+                                      </p:cBhvr>
+                                    </p:animEffect>
+                                    <p:set>
+                                      <p:cBhvr>
+                                        <p:cTn id="7" dur="1" fill="hold">
+                                          <p:stCondLst>
+                                            <p:cond delay="499"/>
+                                          </p:stCondLst>
+                                        </p:cTn>
+                                        <p:tgtEl>
+                                          <p:spTgt spid="5"/>
+                                        </p:tgtEl>
+                                        <p:attrNameLst>
+                                          <p:attrName>style.visibility</p:attrName>
+                                        </p:attrNameLst>
+                                      </p:cBhvr>
+                                      <p:to>
+                                        <p:strVal val="hidden"/>
+                                      </p:to>
+                                    </p:set>
+                                  </p:childTnLst>
+                                </p:cTn>
+                              </p:par>
+                              <p:par>
+                                <p:cTn id="8" presetID="10" presetClass="entr" presetSubtype="0" fill="hold" grpId="0" nodeType="withEffect">
+                                  <p:stCondLst>
+                                    <p:cond delay="0"/>
+                                  </p:stCondLst>
+                                  <p:childTnLst>
+                                    <p:set>
+                                      <p:cBhvr>
+                                        <p:cTn id="9" dur="1" fill="hold">
+                                          <p:stCondLst>
+                                            <p:cond delay="0"/>
+                                          </p:stCondLst>
+                                        </p:cTn>
+                                        <p:tgtEl>
+                                          <p:spTgt spid="11"/>
+                                        </p:tgtEl>
+                                        <p:attrNameLst>
+                                          <p:attrName>style.visibility</p:attrName>
+                                        </p:attrNameLst>
+                                      </p:cBhvr>
+                                      <p:to>
+                                        <p:strVal val="visible"/>
+                                      </p:to>
+                                    </p:set>
+                                    <p:animEffect transition="in" filter="fade">
+                                      <p:cBhvr>
+                                        <p:cTn id="10" dur="500"/>
+                                        <p:tgtEl>
+                                          <p:spTgt spid="11"/>
+                                        </p:tgtEl>
+                                      </p:cBhvr>
+                                    </p:animEffect>
+                                  </p:childTnLst>
+                                </p:cTn>
+                              </p:par>
+                              <p:par>
+                                <p:cTn id="11" presetID="10" presetClass="entr" presetSubtype="0" fill="hold" nodeType="withEffect">
+                                  <p:stCondLst>
+                                    <p:cond delay="0"/>
+                                  </p:stCondLst>
+                                  <p:childTnLst>
+                                    <p:set>
+                                      <p:cBhvr>
+                                        <p:cTn id="12" dur="1" fill="hold">
+                                          <p:stCondLst>
+                                            <p:cond delay="0"/>
+                                          </p:stCondLst>
+                                        </p:cTn>
+                                        <p:tgtEl>
+                                          <p:spTgt spid="10"/>
+                                        </p:tgtEl>
+                                        <p:attrNameLst>
+                                          <p:attrName>style.visibility</p:attrName>
+                                        </p:attrNameLst>
+                                      </p:cBhvr>
+                                      <p:to>
+                                        <p:strVal val="visible"/>
+                                      </p:to>
+                                    </p:set>
+                                    <p:animEffect transition="in" filter="fade">
+                                      <p:cBhvr>
+                                        <p:cTn id="13" dur="500"/>
+                                        <p:tgtEl>
+                                          <p:spTgt spid="10"/>
+                                        </p:tgtEl>
+                                      </p:cBhvr>
+                                    </p:animEffect>
+                                  </p:childTnLst>
+                                </p:cTn>
+                              </p:par>
+                            </p:childTnLst>
+                          </p:cTn>
+                        </p:par>
+                      </p:childTnLst>
+                    </p:cTn>
+                  </p:par>
+                </p:childTnLst>
+              </p:cTn>
+              <p:prevCondLst>
+                <p:cond evt="onPrev" delay="0">
+                  <p:tgtEl>
+                    <p:sldTgt/>
+                  </p:tgtEl>
+                </p:cond>
+              </p:prevCondLst>
+              <p:nextCondLst>
+                <p:cond evt="onNext" delay="0">
+                  <p:tgtEl>
+                    <p:sldTgt/>
+                  </p:tgtEl>
+                </p:cond>
+              </p:nextCondLst>
+            </p:seq>
+          </p:childTnLst>
+        </p:cTn>
+      </p:par>
+    </p:tnLst>
+    <p:bldLst>
+      <p:bldP spid="5" grpId="0"/>
+      <p:bldP spid="11" grpId="0"/>
+    </p:bldLst>
+  </p:timing>
+</p:sld>
+</file>
+
+<file path=ppt/slides/slide14.xml><?xml version="1.0" encoding="utf-8"?>
 <p:sld xmlns:a="http://schemas.openxmlformats.org/drawingml/2006/main" xmlns:r="http://schemas.openxmlformats.org/officeDocument/2006/relationships" xmlns:p="http://schemas.openxmlformats.org/presentationml/2006/main">
   <p:cSld>
     <p:spTree>
@@ -28226,7 +29771,7 @@
 </p:sld>
 </file>
 
-<file path=ppt/slides/slide14.xml><?xml version="1.0" encoding="utf-8"?>
+<file path=ppt/slides/slide15.xml><?xml version="1.0" encoding="utf-8"?>
 <p:sld xmlns:a="http://schemas.openxmlformats.org/drawingml/2006/main" xmlns:r="http://schemas.openxmlformats.org/officeDocument/2006/relationships" xmlns:p="http://schemas.openxmlformats.org/presentationml/2006/main">
   <p:cSld>
     <p:spTree>
@@ -28332,151 +29877,6 @@
     <p:extLst>
       <p:ext uri="{BB962C8B-B14F-4D97-AF65-F5344CB8AC3E}">
         <p14:creationId xmlns:p14="http://schemas.microsoft.com/office/powerpoint/2010/main" val="1586299620"/>
-      </p:ext>
-    </p:extLst>
-  </p:cSld>
-  <p:clrMapOvr>
-    <a:masterClrMapping/>
-  </p:clrMapOvr>
-</p:sld>
-</file>
-
-<file path=ppt/slides/slide15.xml><?xml version="1.0" encoding="utf-8"?>
-<p:sld xmlns:a="http://schemas.openxmlformats.org/drawingml/2006/main" xmlns:r="http://schemas.openxmlformats.org/officeDocument/2006/relationships" xmlns:p="http://schemas.openxmlformats.org/presentationml/2006/main">
-  <p:cSld>
-    <p:spTree>
-      <p:nvGrpSpPr>
-        <p:cNvPr id="1" name=""/>
-        <p:cNvGrpSpPr/>
-        <p:nvPr/>
-      </p:nvGrpSpPr>
-      <p:grpSpPr>
-        <a:xfrm>
-          <a:off x="0" y="0"/>
-          <a:ext cx="0" cy="0"/>
-          <a:chOff x="0" y="0"/>
-          <a:chExt cx="0" cy="0"/>
-        </a:xfrm>
-      </p:grpSpPr>
-      <p:sp>
-        <p:nvSpPr>
-          <p:cNvPr id="2" name="Tiêu đề 1">
-            <a:extLst>
-              <a:ext uri="{FF2B5EF4-FFF2-40B4-BE49-F238E27FC236}">
-                <a16:creationId xmlns:a16="http://schemas.microsoft.com/office/drawing/2014/main" id="{8C4CEB10-4297-4A04-A2E5-F3DCD5DE2B77}"/>
-              </a:ext>
-            </a:extLst>
-          </p:cNvPr>
-          <p:cNvSpPr>
-            <a:spLocks noGrp="1"/>
-          </p:cNvSpPr>
-          <p:nvPr>
-            <p:ph type="title"/>
-          </p:nvPr>
-        </p:nvSpPr>
-        <p:spPr/>
-        <p:txBody>
-          <a:bodyPr/>
-          <a:lstStyle/>
-          <a:p>
-            <a:endParaRPr lang="en-US"/>
-          </a:p>
-        </p:txBody>
-      </p:sp>
-      <p:pic>
-        <p:nvPicPr>
-          <p:cNvPr id="7" name="Hình ảnh 6">
-            <a:extLst>
-              <a:ext uri="{FF2B5EF4-FFF2-40B4-BE49-F238E27FC236}">
-                <a16:creationId xmlns:a16="http://schemas.microsoft.com/office/drawing/2014/main" id="{E4C49B15-378B-46AF-9FBD-620802F7F96D}"/>
-              </a:ext>
-            </a:extLst>
-          </p:cNvPr>
-          <p:cNvPicPr>
-            <a:picLocks noChangeAspect="1"/>
-          </p:cNvPicPr>
-          <p:nvPr/>
-        </p:nvPicPr>
-        <p:blipFill>
-          <a:blip r:embed="rId2"/>
-          <a:stretch>
-            <a:fillRect/>
-          </a:stretch>
-        </p:blipFill>
-        <p:spPr>
-          <a:xfrm>
-            <a:off x="538560" y="1812163"/>
-            <a:ext cx="2926000" cy="2933189"/>
-          </a:xfrm>
-          <a:prstGeom prst="rect">
-            <a:avLst/>
-          </a:prstGeom>
-        </p:spPr>
-      </p:pic>
-      <p:pic>
-        <p:nvPicPr>
-          <p:cNvPr id="8" name="Hình ảnh 7">
-            <a:extLst>
-              <a:ext uri="{FF2B5EF4-FFF2-40B4-BE49-F238E27FC236}">
-                <a16:creationId xmlns:a16="http://schemas.microsoft.com/office/drawing/2014/main" id="{45CA600E-32E1-4157-B7A4-3F0794DE7890}"/>
-              </a:ext>
-            </a:extLst>
-          </p:cNvPr>
-          <p:cNvPicPr>
-            <a:picLocks noChangeAspect="1"/>
-          </p:cNvPicPr>
-          <p:nvPr/>
-        </p:nvPicPr>
-        <p:blipFill>
-          <a:blip r:embed="rId3"/>
-          <a:stretch>
-            <a:fillRect/>
-          </a:stretch>
-        </p:blipFill>
-        <p:spPr>
-          <a:xfrm>
-            <a:off x="4622233" y="1812162"/>
-            <a:ext cx="2947533" cy="2933190"/>
-          </a:xfrm>
-          <a:prstGeom prst="rect">
-            <a:avLst/>
-          </a:prstGeom>
-        </p:spPr>
-      </p:pic>
-      <p:pic>
-        <p:nvPicPr>
-          <p:cNvPr id="9" name="Hình ảnh 8">
-            <a:extLst>
-              <a:ext uri="{FF2B5EF4-FFF2-40B4-BE49-F238E27FC236}">
-                <a16:creationId xmlns:a16="http://schemas.microsoft.com/office/drawing/2014/main" id="{5A3ED54E-8034-469A-9069-116EADC06297}"/>
-              </a:ext>
-            </a:extLst>
-          </p:cNvPr>
-          <p:cNvPicPr>
-            <a:picLocks noChangeAspect="1"/>
-          </p:cNvPicPr>
-          <p:nvPr/>
-        </p:nvPicPr>
-        <p:blipFill>
-          <a:blip r:embed="rId4"/>
-          <a:stretch>
-            <a:fillRect/>
-          </a:stretch>
-        </p:blipFill>
-        <p:spPr>
-          <a:xfrm>
-            <a:off x="8561659" y="1812162"/>
-            <a:ext cx="2945887" cy="2933190"/>
-          </a:xfrm>
-          <a:prstGeom prst="rect">
-            <a:avLst/>
-          </a:prstGeom>
-        </p:spPr>
-      </p:pic>
-    </p:spTree>
-    <p:extLst>
-      <p:ext uri="{BB962C8B-B14F-4D97-AF65-F5344CB8AC3E}">
-        <p14:creationId xmlns:p14="http://schemas.microsoft.com/office/powerpoint/2010/main" val="2052477317"/>
       </p:ext>
     </p:extLst>
   </p:cSld>
